--- a/Entregables/Presentacion.pptx
+++ b/Entregables/Presentacion.pptx
@@ -13,9 +13,10 @@
     <p:sldId id="289" r:id="rId7"/>
     <p:sldId id="290" r:id="rId8"/>
     <p:sldId id="287" r:id="rId9"/>
-    <p:sldId id="283" r:id="rId10"/>
-    <p:sldId id="286" r:id="rId11"/>
-    <p:sldId id="285" r:id="rId12"/>
+    <p:sldId id="291" r:id="rId10"/>
+    <p:sldId id="283" r:id="rId11"/>
+    <p:sldId id="286" r:id="rId12"/>
+    <p:sldId id="285" r:id="rId13"/>
   </p:sldIdLst>
   <p:sldSz cx="12192000" cy="6858000"/>
   <p:notesSz cx="6858000" cy="9144000"/>
@@ -327,7 +328,7 @@
             <a:fld id="{5586B75A-687E-405C-8A0B-8D00578BA2C3}" type="datetimeFigureOut">
               <a:rPr lang="en-US" smtClean="0"/>
               <a:pPr/>
-              <a:t>7/1/2018</a:t>
+              <a:t>7/2/2018</a:t>
             </a:fld>
             <a:endParaRPr lang="en-US" dirty="0"/>
           </a:p>
@@ -518,7 +519,7 @@
           <a:p>
             <a:fld id="{5F4E5243-F52A-4D37-9694-EB26C6C31910}" type="datetimeFigureOut">
               <a:rPr lang="en-US" smtClean="0"/>
-              <a:t>7/1/2018</a:t>
+              <a:t>7/2/2018</a:t>
             </a:fld>
             <a:endParaRPr lang="en-US" dirty="0"/>
           </a:p>
@@ -698,7 +699,7 @@
           <a:p>
             <a:fld id="{3A77B6E1-634A-48DC-9E8B-D894023267EF}" type="datetimeFigureOut">
               <a:rPr lang="en-US" smtClean="0"/>
-              <a:t>7/1/2018</a:t>
+              <a:t>7/2/2018</a:t>
             </a:fld>
             <a:endParaRPr lang="en-US" dirty="0"/>
           </a:p>
@@ -868,7 +869,7 @@
           <a:p>
             <a:fld id="{7B2D3E9E-A95C-48F2-B4BF-A71542E0BE9A}" type="datetimeFigureOut">
               <a:rPr lang="en-US" smtClean="0"/>
-              <a:t>7/1/2018</a:t>
+              <a:t>7/2/2018</a:t>
             </a:fld>
             <a:endParaRPr lang="en-US" dirty="0"/>
           </a:p>
@@ -1125,7 +1126,7 @@
             <a:fld id="{5586B75A-687E-405C-8A0B-8D00578BA2C3}" type="datetimeFigureOut">
               <a:rPr lang="en-US" smtClean="0"/>
               <a:pPr/>
-              <a:t>7/1/2018</a:t>
+              <a:t>7/2/2018</a:t>
             </a:fld>
             <a:endParaRPr lang="en-US" dirty="0"/>
           </a:p>
@@ -1414,7 +1415,7 @@
           <a:p>
             <a:fld id="{F12952B5-7A2F-4CC8-B7CE-9234E21C2837}" type="datetimeFigureOut">
               <a:rPr lang="en-US" smtClean="0"/>
-              <a:t>7/1/2018</a:t>
+              <a:t>7/2/2018</a:t>
             </a:fld>
             <a:endParaRPr lang="en-US" dirty="0"/>
           </a:p>
@@ -1852,7 +1853,7 @@
           <a:p>
             <a:fld id="{CE1DA07A-9201-4B4B-BAF2-015AFA30F520}" type="datetimeFigureOut">
               <a:rPr lang="en-US" smtClean="0"/>
-              <a:t>7/1/2018</a:t>
+              <a:t>7/2/2018</a:t>
             </a:fld>
             <a:endParaRPr lang="en-US" dirty="0"/>
           </a:p>
@@ -1970,7 +1971,7 @@
           <a:p>
             <a:fld id="{73D7E00A-486F-4252-8B1D-E32645521F49}" type="datetimeFigureOut">
               <a:rPr lang="en-US" smtClean="0"/>
-              <a:t>7/1/2018</a:t>
+              <a:t>7/2/2018</a:t>
             </a:fld>
             <a:endParaRPr lang="en-US" dirty="0"/>
           </a:p>
@@ -2065,7 +2066,7 @@
           <a:p>
             <a:fld id="{8DDF5F92-E675-4B36-9A60-69A962A68675}" type="datetimeFigureOut">
               <a:rPr lang="en-US" smtClean="0"/>
-              <a:t>7/1/2018</a:t>
+              <a:t>7/2/2018</a:t>
             </a:fld>
             <a:endParaRPr lang="en-US" dirty="0"/>
           </a:p>
@@ -2421,7 +2422,7 @@
           <a:p>
             <a:fld id="{AF6E2C9B-5FA2-460D-9BE7-B0812FC2A6FF}" type="datetimeFigureOut">
               <a:rPr lang="en-US" smtClean="0"/>
-              <a:t>7/1/2018</a:t>
+              <a:t>7/2/2018</a:t>
             </a:fld>
             <a:endParaRPr lang="en-US" dirty="0"/>
           </a:p>
@@ -2739,7 +2740,7 @@
             <a:fld id="{5586B75A-687E-405C-8A0B-8D00578BA2C3}" type="datetimeFigureOut">
               <a:rPr lang="en-US" smtClean="0"/>
               <a:pPr/>
-              <a:t>7/1/2018</a:t>
+              <a:t>7/2/2018</a:t>
             </a:fld>
             <a:endParaRPr lang="en-US" dirty="0"/>
           </a:p>
@@ -2974,7 +2975,7 @@
             <a:fld id="{5586B75A-687E-405C-8A0B-8D00578BA2C3}" type="datetimeFigureOut">
               <a:rPr lang="en-US" smtClean="0"/>
               <a:pPr/>
-              <a:t>7/1/2018</a:t>
+              <a:t>7/2/2018</a:t>
             </a:fld>
             <a:endParaRPr lang="en-US" dirty="0"/>
           </a:p>
@@ -3531,44 +3532,12 @@
           </a:p>
         </p:txBody>
       </p:sp>
-      <p:pic>
-        <p:nvPicPr>
-          <p:cNvPr id="4" name="Imagen 3">
+      <p:grpSp>
+        <p:nvGrpSpPr>
+          <p:cNvPr id="3" name="Grupo 2">
             <a:extLst>
               <a:ext uri="{FF2B5EF4-FFF2-40B4-BE49-F238E27FC236}">
-                <a16:creationId xmlns:a16="http://schemas.microsoft.com/office/drawing/2014/main" id="{C2D425E0-CB7F-4E9A-A70B-435727E6CE6D}"/>
-              </a:ext>
-            </a:extLst>
-          </p:cNvPr>
-          <p:cNvPicPr>
-            <a:picLocks noChangeAspect="1"/>
-          </p:cNvPicPr>
-          <p:nvPr/>
-        </p:nvPicPr>
-        <p:blipFill>
-          <a:blip r:embed="rId2">
-            <a:biLevel thresh="75000"/>
-          </a:blip>
-          <a:stretch>
-            <a:fillRect/>
-          </a:stretch>
-        </p:blipFill>
-        <p:spPr>
-          <a:xfrm>
-            <a:off x="7516566" y="3607266"/>
-            <a:ext cx="2825900" cy="2919370"/>
-          </a:xfrm>
-          <a:prstGeom prst="rect">
-            <a:avLst/>
-          </a:prstGeom>
-        </p:spPr>
-      </p:pic>
-      <p:grpSp>
-        <p:nvGrpSpPr>
-          <p:cNvPr id="13" name="Grupo 12">
-            <a:extLst>
-              <a:ext uri="{FF2B5EF4-FFF2-40B4-BE49-F238E27FC236}">
-                <a16:creationId xmlns:a16="http://schemas.microsoft.com/office/drawing/2014/main" id="{2C02FC1C-AA76-4A33-A5F1-D7767F11DBEE}"/>
+                <a16:creationId xmlns:a16="http://schemas.microsoft.com/office/drawing/2014/main" id="{41BC9066-86BE-48F8-9164-B589444F7AAA}"/>
               </a:ext>
             </a:extLst>
           </p:cNvPr>
@@ -3577,102 +3546,155 @@
         </p:nvGrpSpPr>
         <p:grpSpPr>
           <a:xfrm>
-            <a:off x="10184235" y="4521667"/>
-            <a:ext cx="771789" cy="654341"/>
-            <a:chOff x="2340528" y="3858936"/>
-            <a:chExt cx="771789" cy="654341"/>
+            <a:off x="7516566" y="3607266"/>
+            <a:ext cx="3439458" cy="2919370"/>
+            <a:chOff x="7516566" y="3607266"/>
+            <a:chExt cx="3439458" cy="2919370"/>
           </a:xfrm>
         </p:grpSpPr>
-        <p:sp>
-          <p:nvSpPr>
-            <p:cNvPr id="6" name="Triángulo isósceles 5">
+        <p:pic>
+          <p:nvPicPr>
+            <p:cNvPr id="4" name="Imagen 3">
               <a:extLst>
                 <a:ext uri="{FF2B5EF4-FFF2-40B4-BE49-F238E27FC236}">
-                  <a16:creationId xmlns:a16="http://schemas.microsoft.com/office/drawing/2014/main" id="{6269E75D-4A1A-49B2-BD38-EBD6F1CCDBC6}"/>
+                  <a16:creationId xmlns:a16="http://schemas.microsoft.com/office/drawing/2014/main" id="{C2D425E0-CB7F-4E9A-A70B-435727E6CE6D}"/>
                 </a:ext>
               </a:extLst>
             </p:cNvPr>
-            <p:cNvSpPr/>
+            <p:cNvPicPr>
+              <a:picLocks noChangeAspect="1"/>
+            </p:cNvPicPr>
             <p:nvPr/>
-          </p:nvSpPr>
-          <p:spPr>
-            <a:xfrm rot="16200000">
-              <a:off x="2614437" y="3903809"/>
-              <a:ext cx="467252" cy="528508"/>
-            </a:xfrm>
-            <a:prstGeom prst="triangle">
-              <a:avLst/>
-            </a:prstGeom>
-            <a:ln w="76200"/>
-          </p:spPr>
-          <p:style>
-            <a:lnRef idx="2">
-              <a:schemeClr val="dk1"/>
-            </a:lnRef>
-            <a:fillRef idx="1">
-              <a:schemeClr val="lt1"/>
-            </a:fillRef>
-            <a:effectRef idx="0">
-              <a:schemeClr val="dk1"/>
-            </a:effectRef>
-            <a:fontRef idx="minor">
-              <a:schemeClr val="dk1"/>
-            </a:fontRef>
-          </p:style>
-          <p:txBody>
-            <a:bodyPr rtlCol="0" anchor="ctr"/>
-            <a:lstStyle/>
-            <a:p>
-              <a:pPr algn="ctr"/>
-              <a:endParaRPr lang="en-US"/>
-            </a:p>
-          </p:txBody>
-        </p:sp>
-        <p:sp>
-          <p:nvSpPr>
-            <p:cNvPr id="5" name="Rectángulo 4">
-              <a:extLst>
-                <a:ext uri="{FF2B5EF4-FFF2-40B4-BE49-F238E27FC236}">
-                  <a16:creationId xmlns:a16="http://schemas.microsoft.com/office/drawing/2014/main" id="{1818A42C-F407-4800-A429-92D1F95D9354}"/>
-                </a:ext>
-              </a:extLst>
-            </p:cNvPr>
-            <p:cNvSpPr/>
-            <p:nvPr/>
-          </p:nvSpPr>
+          </p:nvPicPr>
+          <p:blipFill>
+            <a:blip r:embed="rId2">
+              <a:biLevel thresh="75000"/>
+            </a:blip>
+            <a:stretch>
+              <a:fillRect/>
+            </a:stretch>
+          </p:blipFill>
           <p:spPr>
             <a:xfrm>
-              <a:off x="2340528" y="3858936"/>
-              <a:ext cx="486562" cy="654341"/>
+              <a:off x="7516566" y="3607266"/>
+              <a:ext cx="2825900" cy="2919370"/>
             </a:xfrm>
             <a:prstGeom prst="rect">
               <a:avLst/>
             </a:prstGeom>
-            <a:ln w="76200"/>
           </p:spPr>
-          <p:style>
-            <a:lnRef idx="2">
-              <a:schemeClr val="dk1"/>
-            </a:lnRef>
-            <a:fillRef idx="1">
-              <a:schemeClr val="lt1"/>
-            </a:fillRef>
-            <a:effectRef idx="0">
-              <a:schemeClr val="dk1"/>
-            </a:effectRef>
-            <a:fontRef idx="minor">
-              <a:schemeClr val="dk1"/>
-            </a:fontRef>
-          </p:style>
-          <p:txBody>
-            <a:bodyPr rtlCol="0" anchor="ctr"/>
-            <a:lstStyle/>
-            <a:p>
-              <a:pPr algn="ctr"/>
-              <a:endParaRPr lang="en-US"/>
-            </a:p>
-          </p:txBody>
-        </p:sp>
+        </p:pic>
+        <p:grpSp>
+          <p:nvGrpSpPr>
+            <p:cNvPr id="13" name="Grupo 12">
+              <a:extLst>
+                <a:ext uri="{FF2B5EF4-FFF2-40B4-BE49-F238E27FC236}">
+                  <a16:creationId xmlns:a16="http://schemas.microsoft.com/office/drawing/2014/main" id="{2C02FC1C-AA76-4A33-A5F1-D7767F11DBEE}"/>
+                </a:ext>
+              </a:extLst>
+            </p:cNvPr>
+            <p:cNvGrpSpPr/>
+            <p:nvPr/>
+          </p:nvGrpSpPr>
+          <p:grpSpPr>
+            <a:xfrm>
+              <a:off x="10184235" y="4521667"/>
+              <a:ext cx="771789" cy="654341"/>
+              <a:chOff x="2340528" y="3858936"/>
+              <a:chExt cx="771789" cy="654341"/>
+            </a:xfrm>
+          </p:grpSpPr>
+          <p:sp>
+            <p:nvSpPr>
+              <p:cNvPr id="6" name="Triángulo isósceles 5">
+                <a:extLst>
+                  <a:ext uri="{FF2B5EF4-FFF2-40B4-BE49-F238E27FC236}">
+                    <a16:creationId xmlns:a16="http://schemas.microsoft.com/office/drawing/2014/main" id="{6269E75D-4A1A-49B2-BD38-EBD6F1CCDBC6}"/>
+                  </a:ext>
+                </a:extLst>
+              </p:cNvPr>
+              <p:cNvSpPr/>
+              <p:nvPr/>
+            </p:nvSpPr>
+            <p:spPr>
+              <a:xfrm rot="16200000">
+                <a:off x="2614437" y="3903809"/>
+                <a:ext cx="467252" cy="528508"/>
+              </a:xfrm>
+              <a:prstGeom prst="triangle">
+                <a:avLst/>
+              </a:prstGeom>
+              <a:ln w="76200"/>
+            </p:spPr>
+            <p:style>
+              <a:lnRef idx="2">
+                <a:schemeClr val="dk1"/>
+              </a:lnRef>
+              <a:fillRef idx="1">
+                <a:schemeClr val="lt1"/>
+              </a:fillRef>
+              <a:effectRef idx="0">
+                <a:schemeClr val="dk1"/>
+              </a:effectRef>
+              <a:fontRef idx="minor">
+                <a:schemeClr val="dk1"/>
+              </a:fontRef>
+            </p:style>
+            <p:txBody>
+              <a:bodyPr rtlCol="0" anchor="ctr"/>
+              <a:lstStyle/>
+              <a:p>
+                <a:pPr algn="ctr"/>
+                <a:endParaRPr lang="en-US"/>
+              </a:p>
+            </p:txBody>
+          </p:sp>
+          <p:sp>
+            <p:nvSpPr>
+              <p:cNvPr id="5" name="Rectángulo 4">
+                <a:extLst>
+                  <a:ext uri="{FF2B5EF4-FFF2-40B4-BE49-F238E27FC236}">
+                    <a16:creationId xmlns:a16="http://schemas.microsoft.com/office/drawing/2014/main" id="{1818A42C-F407-4800-A429-92D1F95D9354}"/>
+                  </a:ext>
+                </a:extLst>
+              </p:cNvPr>
+              <p:cNvSpPr/>
+              <p:nvPr/>
+            </p:nvSpPr>
+            <p:spPr>
+              <a:xfrm>
+                <a:off x="2340528" y="3858936"/>
+                <a:ext cx="486562" cy="654341"/>
+              </a:xfrm>
+              <a:prstGeom prst="rect">
+                <a:avLst/>
+              </a:prstGeom>
+              <a:ln w="76200"/>
+            </p:spPr>
+            <p:style>
+              <a:lnRef idx="2">
+                <a:schemeClr val="dk1"/>
+              </a:lnRef>
+              <a:fillRef idx="1">
+                <a:schemeClr val="lt1"/>
+              </a:fillRef>
+              <a:effectRef idx="0">
+                <a:schemeClr val="dk1"/>
+              </a:effectRef>
+              <a:fontRef idx="minor">
+                <a:schemeClr val="dk1"/>
+              </a:fontRef>
+            </p:style>
+            <p:txBody>
+              <a:bodyPr rtlCol="0" anchor="ctr"/>
+              <a:lstStyle/>
+              <a:p>
+                <a:pPr algn="ctr"/>
+                <a:endParaRPr lang="en-US"/>
+              </a:p>
+            </p:txBody>
+          </p:sp>
+        </p:grpSp>
       </p:grpSp>
     </p:spTree>
     <p:extLst>
@@ -3743,7 +3765,7 @@
             </a:pPr>
             <a:r>
               <a:rPr lang="en-US" sz="3600" b="1" dirty="0"/>
-              <a:t>Results: Second user testing</a:t>
+              <a:t>Results: First user testing</a:t>
             </a:r>
           </a:p>
         </p:txBody>
@@ -3797,6 +3819,126 @@
     </p:spTree>
     <p:extLst>
       <p:ext uri="{BB962C8B-B14F-4D97-AF65-F5344CB8AC3E}">
+        <p14:creationId xmlns:p14="http://schemas.microsoft.com/office/powerpoint/2010/main" val="1247071809"/>
+      </p:ext>
+    </p:extLst>
+  </p:cSld>
+  <p:clrMapOvr>
+    <a:masterClrMapping/>
+  </p:clrMapOvr>
+</p:sld>
+</file>
+
+<file path=ppt/slides/slide11.xml><?xml version="1.0" encoding="utf-8"?>
+<p:sld xmlns:a="http://schemas.openxmlformats.org/drawingml/2006/main" xmlns:r="http://schemas.openxmlformats.org/officeDocument/2006/relationships" xmlns:p="http://schemas.openxmlformats.org/presentationml/2006/main" showMasterSp="0">
+  <p:cSld>
+    <p:bg>
+      <p:bgPr>
+        <a:solidFill>
+          <a:schemeClr val="accent1">
+            <a:lumMod val="50000"/>
+          </a:schemeClr>
+        </a:solidFill>
+        <a:effectLst/>
+      </p:bgPr>
+    </p:bg>
+    <p:spTree>
+      <p:nvGrpSpPr>
+        <p:cNvPr id="1" name=""/>
+        <p:cNvGrpSpPr/>
+        <p:nvPr/>
+      </p:nvGrpSpPr>
+      <p:grpSpPr>
+        <a:xfrm>
+          <a:off x="0" y="0"/>
+          <a:ext cx="0" cy="0"/>
+          <a:chOff x="0" y="0"/>
+          <a:chExt cx="0" cy="0"/>
+        </a:xfrm>
+      </p:grpSpPr>
+      <p:sp>
+        <p:nvSpPr>
+          <p:cNvPr id="3" name="Subtítulo 2"/>
+          <p:cNvSpPr>
+            <a:spLocks noGrp="1"/>
+          </p:cNvSpPr>
+          <p:nvPr>
+            <p:ph type="subTitle" idx="1"/>
+          </p:nvPr>
+        </p:nvSpPr>
+        <p:spPr>
+          <a:xfrm>
+            <a:off x="0" y="318249"/>
+            <a:ext cx="12192000" cy="850151"/>
+          </a:xfrm>
+        </p:spPr>
+        <p:txBody>
+          <a:bodyPr>
+            <a:noAutofit/>
+          </a:bodyPr>
+          <a:lstStyle/>
+          <a:p>
+            <a:pPr algn="ctr">
+              <a:lnSpc>
+                <a:spcPct val="150000"/>
+              </a:lnSpc>
+            </a:pPr>
+            <a:r>
+              <a:rPr lang="en-US" sz="3600" b="1" dirty="0"/>
+              <a:t>Results: Second user testing</a:t>
+            </a:r>
+          </a:p>
+        </p:txBody>
+      </p:sp>
+      <p:sp>
+        <p:nvSpPr>
+          <p:cNvPr id="9" name="Rectángulo 8"/>
+          <p:cNvSpPr/>
+          <p:nvPr/>
+        </p:nvSpPr>
+        <p:spPr>
+          <a:xfrm>
+            <a:off x="0" y="1270001"/>
+            <a:ext cx="12192000" cy="5588001"/>
+          </a:xfrm>
+          <a:prstGeom prst="rect">
+            <a:avLst/>
+          </a:prstGeom>
+          <a:solidFill>
+            <a:schemeClr val="bg1"/>
+          </a:solidFill>
+          <a:ln>
+            <a:noFill/>
+          </a:ln>
+        </p:spPr>
+        <p:style>
+          <a:lnRef idx="2">
+            <a:schemeClr val="accent1">
+              <a:shade val="50000"/>
+            </a:schemeClr>
+          </a:lnRef>
+          <a:fillRef idx="1">
+            <a:schemeClr val="accent1"/>
+          </a:fillRef>
+          <a:effectRef idx="0">
+            <a:schemeClr val="accent1"/>
+          </a:effectRef>
+          <a:fontRef idx="minor">
+            <a:schemeClr val="lt1"/>
+          </a:fontRef>
+        </p:style>
+        <p:txBody>
+          <a:bodyPr rtlCol="0" anchor="ctr"/>
+          <a:lstStyle/>
+          <a:p>
+            <a:pPr algn="ctr"/>
+            <a:endParaRPr lang="en-US" dirty="0"/>
+          </a:p>
+        </p:txBody>
+      </p:sp>
+    </p:spTree>
+    <p:extLst>
+      <p:ext uri="{BB962C8B-B14F-4D97-AF65-F5344CB8AC3E}">
         <p14:creationId xmlns:p14="http://schemas.microsoft.com/office/powerpoint/2010/main" val="139530594"/>
       </p:ext>
     </p:extLst>
@@ -3807,7 +3949,7 @@
 </p:sld>
 </file>
 
-<file path=ppt/slides/slide11.xml><?xml version="1.0" encoding="utf-8"?>
+<file path=ppt/slides/slide12.xml><?xml version="1.0" encoding="utf-8"?>
 <p:sld xmlns:a="http://schemas.openxmlformats.org/drawingml/2006/main" xmlns:r="http://schemas.openxmlformats.org/officeDocument/2006/relationships" xmlns:p="http://schemas.openxmlformats.org/presentationml/2006/main" showMasterSp="0">
   <p:cSld>
     <p:bg>
@@ -4823,7 +4965,7 @@
             </a:pPr>
             <a:r>
               <a:rPr lang="en-US" sz="3600" b="1" dirty="0"/>
-              <a:t>Results: First user testing</a:t>
+              <a:t>Results: Output stability</a:t>
             </a:r>
           </a:p>
         </p:txBody>
@@ -4877,7 +5019,7 @@
     </p:spTree>
     <p:extLst>
       <p:ext uri="{BB962C8B-B14F-4D97-AF65-F5344CB8AC3E}">
-        <p14:creationId xmlns:p14="http://schemas.microsoft.com/office/powerpoint/2010/main" val="1247071809"/>
+        <p14:creationId xmlns:p14="http://schemas.microsoft.com/office/powerpoint/2010/main" val="2263191293"/>
       </p:ext>
     </p:extLst>
   </p:cSld>

--- a/Entregables/Presentacion.pptx
+++ b/Entregables/Presentacion.pptx
@@ -4,19 +4,31 @@
   <p:sldMasterIdLst>
     <p:sldMasterId id="2147483864" r:id="rId1"/>
   </p:sldMasterIdLst>
+  <p:notesMasterIdLst>
+    <p:notesMasterId r:id="rId23"/>
+  </p:notesMasterIdLst>
   <p:sldIdLst>
     <p:sldId id="256" r:id="rId2"/>
     <p:sldId id="281" r:id="rId3"/>
     <p:sldId id="284" r:id="rId4"/>
-    <p:sldId id="282" r:id="rId5"/>
-    <p:sldId id="288" r:id="rId6"/>
-    <p:sldId id="289" r:id="rId7"/>
-    <p:sldId id="290" r:id="rId8"/>
-    <p:sldId id="287" r:id="rId9"/>
-    <p:sldId id="291" r:id="rId10"/>
-    <p:sldId id="283" r:id="rId11"/>
-    <p:sldId id="286" r:id="rId12"/>
-    <p:sldId id="285" r:id="rId13"/>
+    <p:sldId id="292" r:id="rId5"/>
+    <p:sldId id="295" r:id="rId6"/>
+    <p:sldId id="282" r:id="rId7"/>
+    <p:sldId id="293" r:id="rId8"/>
+    <p:sldId id="289" r:id="rId9"/>
+    <p:sldId id="299" r:id="rId10"/>
+    <p:sldId id="288" r:id="rId11"/>
+    <p:sldId id="296" r:id="rId12"/>
+    <p:sldId id="290" r:id="rId13"/>
+    <p:sldId id="297" r:id="rId14"/>
+    <p:sldId id="287" r:id="rId15"/>
+    <p:sldId id="291" r:id="rId16"/>
+    <p:sldId id="283" r:id="rId17"/>
+    <p:sldId id="286" r:id="rId18"/>
+    <p:sldId id="298" r:id="rId19"/>
+    <p:sldId id="285" r:id="rId20"/>
+    <p:sldId id="294" r:id="rId21"/>
+    <p:sldId id="300" r:id="rId22"/>
   </p:sldIdLst>
   <p:sldSz cx="12192000" cy="6858000"/>
   <p:notesSz cx="6858000" cy="9144000"/>
@@ -116,6 +128,51 @@
     </a:lvl9pPr>
   </p:defaultTextStyle>
   <p:extLst>
+    <p:ext uri="{521415D9-36F7-43E2-AB2F-B90AF26B5E84}">
+      <p14:sectionLst xmlns:p14="http://schemas.microsoft.com/office/powerpoint/2010/main">
+        <p14:section name="Portada" id="{35AD5B48-6533-4F24-BA92-12C778652182}">
+          <p14:sldIdLst>
+            <p14:sldId id="256"/>
+          </p14:sldIdLst>
+        </p14:section>
+        <p14:section name="Introduccion" id="{1EFB7F0A-717D-4509-8C1F-9347418CBE0A}">
+          <p14:sldIdLst>
+            <p14:sldId id="281"/>
+            <p14:sldId id="284"/>
+            <p14:sldId id="292"/>
+            <p14:sldId id="295"/>
+            <p14:sldId id="282"/>
+          </p14:sldIdLst>
+        </p14:section>
+        <p14:section name="Development" id="{8315216C-B7B6-4CEE-8C0C-699D68B3EE57}">
+          <p14:sldIdLst>
+            <p14:sldId id="293"/>
+            <p14:sldId id="289"/>
+            <p14:sldId id="299"/>
+            <p14:sldId id="288"/>
+            <p14:sldId id="296"/>
+            <p14:sldId id="290"/>
+            <p14:sldId id="297"/>
+          </p14:sldIdLst>
+        </p14:section>
+        <p14:section name="Results" id="{BA7AC579-810D-498B-B8BA-31E2A805BF79}">
+          <p14:sldIdLst>
+            <p14:sldId id="287"/>
+            <p14:sldId id="291"/>
+            <p14:sldId id="283"/>
+            <p14:sldId id="286"/>
+            <p14:sldId id="298"/>
+          </p14:sldIdLst>
+        </p14:section>
+        <p14:section name="End" id="{886798DD-0B46-4169-8AB8-C400FB9E3BC4}">
+          <p14:sldIdLst>
+            <p14:sldId id="285"/>
+            <p14:sldId id="294"/>
+            <p14:sldId id="300"/>
+          </p14:sldIdLst>
+        </p14:section>
+      </p14:sectionLst>
+    </p:ext>
     <p:ext uri="{EFAFB233-063F-42B5-8137-9DF3F51BA10A}">
       <p15:sldGuideLst xmlns:p15="http://schemas.microsoft.com/office/powerpoint/2012/main"/>
     </p:ext>
@@ -125,6 +182,356 @@
 
 <file path=ppt/revisionInfo.xml><?xml version="1.0" encoding="utf-8"?>
 <p1510:revInfo xmlns:a="http://schemas.openxmlformats.org/drawingml/2006/main" xmlns:r="http://schemas.openxmlformats.org/officeDocument/2006/relationships" xmlns:p1510="http://schemas.microsoft.com/office/powerpoint/2015/10/main"/>
+</file>
+
+<file path=ppt/notesMasters/notesMaster1.xml><?xml version="1.0" encoding="utf-8"?>
+<p:notesMaster xmlns:a="http://schemas.openxmlformats.org/drawingml/2006/main" xmlns:r="http://schemas.openxmlformats.org/officeDocument/2006/relationships" xmlns:p="http://schemas.openxmlformats.org/presentationml/2006/main">
+  <p:cSld>
+    <p:bg>
+      <p:bgRef idx="1001">
+        <a:schemeClr val="bg1"/>
+      </p:bgRef>
+    </p:bg>
+    <p:spTree>
+      <p:nvGrpSpPr>
+        <p:cNvPr id="1" name=""/>
+        <p:cNvGrpSpPr/>
+        <p:nvPr/>
+      </p:nvGrpSpPr>
+      <p:grpSpPr>
+        <a:xfrm>
+          <a:off x="0" y="0"/>
+          <a:ext cx="0" cy="0"/>
+          <a:chOff x="0" y="0"/>
+          <a:chExt cx="0" cy="0"/>
+        </a:xfrm>
+      </p:grpSpPr>
+      <p:sp>
+        <p:nvSpPr>
+          <p:cNvPr id="2" name="Marcador de encabezado 1"/>
+          <p:cNvSpPr>
+            <a:spLocks noGrp="1"/>
+          </p:cNvSpPr>
+          <p:nvPr>
+            <p:ph type="hdr" sz="quarter"/>
+          </p:nvPr>
+        </p:nvSpPr>
+        <p:spPr>
+          <a:xfrm>
+            <a:off x="0" y="0"/>
+            <a:ext cx="2971800" cy="458788"/>
+          </a:xfrm>
+          <a:prstGeom prst="rect">
+            <a:avLst/>
+          </a:prstGeom>
+        </p:spPr>
+        <p:txBody>
+          <a:bodyPr vert="horz" lIns="91440" tIns="45720" rIns="91440" bIns="45720" rtlCol="0"/>
+          <a:lstStyle>
+            <a:lvl1pPr algn="l">
+              <a:defRPr sz="1200"/>
+            </a:lvl1pPr>
+          </a:lstStyle>
+          <a:p>
+            <a:endParaRPr lang="en-US"/>
+          </a:p>
+        </p:txBody>
+      </p:sp>
+      <p:sp>
+        <p:nvSpPr>
+          <p:cNvPr id="3" name="Marcador de fecha 2"/>
+          <p:cNvSpPr>
+            <a:spLocks noGrp="1"/>
+          </p:cNvSpPr>
+          <p:nvPr>
+            <p:ph type="dt" idx="1"/>
+          </p:nvPr>
+        </p:nvSpPr>
+        <p:spPr>
+          <a:xfrm>
+            <a:off x="3884613" y="0"/>
+            <a:ext cx="2971800" cy="458788"/>
+          </a:xfrm>
+          <a:prstGeom prst="rect">
+            <a:avLst/>
+          </a:prstGeom>
+        </p:spPr>
+        <p:txBody>
+          <a:bodyPr vert="horz" lIns="91440" tIns="45720" rIns="91440" bIns="45720" rtlCol="0"/>
+          <a:lstStyle>
+            <a:lvl1pPr algn="r">
+              <a:defRPr sz="1200"/>
+            </a:lvl1pPr>
+          </a:lstStyle>
+          <a:p>
+            <a:fld id="{721AB763-6895-4FCC-9908-601D87CA22A5}" type="datetimeFigureOut">
+              <a:rPr lang="en-US" smtClean="0"/>
+              <a:t>7/3/2018</a:t>
+            </a:fld>
+            <a:endParaRPr lang="en-US"/>
+          </a:p>
+        </p:txBody>
+      </p:sp>
+      <p:sp>
+        <p:nvSpPr>
+          <p:cNvPr id="4" name="Marcador de imagen de diapositiva 3"/>
+          <p:cNvSpPr>
+            <a:spLocks noGrp="1" noRot="1" noChangeAspect="1"/>
+          </p:cNvSpPr>
+          <p:nvPr>
+            <p:ph type="sldImg" idx="2"/>
+          </p:nvPr>
+        </p:nvSpPr>
+        <p:spPr>
+          <a:xfrm>
+            <a:off x="685800" y="1143000"/>
+            <a:ext cx="5486400" cy="3086100"/>
+          </a:xfrm>
+          <a:prstGeom prst="rect">
+            <a:avLst/>
+          </a:prstGeom>
+          <a:noFill/>
+          <a:ln w="12700">
+            <a:solidFill>
+              <a:prstClr val="black"/>
+            </a:solidFill>
+          </a:ln>
+        </p:spPr>
+        <p:txBody>
+          <a:bodyPr vert="horz" lIns="91440" tIns="45720" rIns="91440" bIns="45720" rtlCol="0" anchor="ctr"/>
+          <a:lstStyle/>
+          <a:p>
+            <a:endParaRPr lang="en-US"/>
+          </a:p>
+        </p:txBody>
+      </p:sp>
+      <p:sp>
+        <p:nvSpPr>
+          <p:cNvPr id="5" name="Marcador de notas 4"/>
+          <p:cNvSpPr>
+            <a:spLocks noGrp="1"/>
+          </p:cNvSpPr>
+          <p:nvPr>
+            <p:ph type="body" sz="quarter" idx="3"/>
+          </p:nvPr>
+        </p:nvSpPr>
+        <p:spPr>
+          <a:xfrm>
+            <a:off x="685800" y="4400550"/>
+            <a:ext cx="5486400" cy="3600450"/>
+          </a:xfrm>
+          <a:prstGeom prst="rect">
+            <a:avLst/>
+          </a:prstGeom>
+        </p:spPr>
+        <p:txBody>
+          <a:bodyPr vert="horz" lIns="91440" tIns="45720" rIns="91440" bIns="45720" rtlCol="0"/>
+          <a:lstStyle/>
+          <a:p>
+            <a:pPr lvl="0"/>
+            <a:r>
+              <a:rPr lang="es-ES"/>
+              <a:t>Editar los estilos de texto del patrón</a:t>
+            </a:r>
+          </a:p>
+          <a:p>
+            <a:pPr lvl="1"/>
+            <a:r>
+              <a:rPr lang="es-ES"/>
+              <a:t>Segundo nivel</a:t>
+            </a:r>
+          </a:p>
+          <a:p>
+            <a:pPr lvl="2"/>
+            <a:r>
+              <a:rPr lang="es-ES"/>
+              <a:t>Tercer nivel</a:t>
+            </a:r>
+          </a:p>
+          <a:p>
+            <a:pPr lvl="3"/>
+            <a:r>
+              <a:rPr lang="es-ES"/>
+              <a:t>Cuarto nivel</a:t>
+            </a:r>
+          </a:p>
+          <a:p>
+            <a:pPr lvl="4"/>
+            <a:r>
+              <a:rPr lang="es-ES"/>
+              <a:t>Quinto nivel</a:t>
+            </a:r>
+            <a:endParaRPr lang="en-US"/>
+          </a:p>
+        </p:txBody>
+      </p:sp>
+      <p:sp>
+        <p:nvSpPr>
+          <p:cNvPr id="6" name="Marcador de pie de página 5"/>
+          <p:cNvSpPr>
+            <a:spLocks noGrp="1"/>
+          </p:cNvSpPr>
+          <p:nvPr>
+            <p:ph type="ftr" sz="quarter" idx="4"/>
+          </p:nvPr>
+        </p:nvSpPr>
+        <p:spPr>
+          <a:xfrm>
+            <a:off x="0" y="8685213"/>
+            <a:ext cx="2971800" cy="458787"/>
+          </a:xfrm>
+          <a:prstGeom prst="rect">
+            <a:avLst/>
+          </a:prstGeom>
+        </p:spPr>
+        <p:txBody>
+          <a:bodyPr vert="horz" lIns="91440" tIns="45720" rIns="91440" bIns="45720" rtlCol="0" anchor="b"/>
+          <a:lstStyle>
+            <a:lvl1pPr algn="l">
+              <a:defRPr sz="1200"/>
+            </a:lvl1pPr>
+          </a:lstStyle>
+          <a:p>
+            <a:endParaRPr lang="en-US"/>
+          </a:p>
+        </p:txBody>
+      </p:sp>
+      <p:sp>
+        <p:nvSpPr>
+          <p:cNvPr id="7" name="Marcador de número de diapositiva 6"/>
+          <p:cNvSpPr>
+            <a:spLocks noGrp="1"/>
+          </p:cNvSpPr>
+          <p:nvPr>
+            <p:ph type="sldNum" sz="quarter" idx="5"/>
+          </p:nvPr>
+        </p:nvSpPr>
+        <p:spPr>
+          <a:xfrm>
+            <a:off x="3884613" y="8685213"/>
+            <a:ext cx="2971800" cy="458787"/>
+          </a:xfrm>
+          <a:prstGeom prst="rect">
+            <a:avLst/>
+          </a:prstGeom>
+        </p:spPr>
+        <p:txBody>
+          <a:bodyPr vert="horz" lIns="91440" tIns="45720" rIns="91440" bIns="45720" rtlCol="0" anchor="b"/>
+          <a:lstStyle>
+            <a:lvl1pPr algn="r">
+              <a:defRPr sz="1200"/>
+            </a:lvl1pPr>
+          </a:lstStyle>
+          <a:p>
+            <a:fld id="{73AA9306-D844-40C1-BEA9-2F429596D606}" type="slidenum">
+              <a:rPr lang="en-US" smtClean="0"/>
+              <a:t>‹Nº›</a:t>
+            </a:fld>
+            <a:endParaRPr lang="en-US"/>
+          </a:p>
+        </p:txBody>
+      </p:sp>
+    </p:spTree>
+    <p:extLst>
+      <p:ext uri="{BB962C8B-B14F-4D97-AF65-F5344CB8AC3E}">
+        <p14:creationId xmlns:p14="http://schemas.microsoft.com/office/powerpoint/2010/main" val="2646332785"/>
+      </p:ext>
+    </p:extLst>
+  </p:cSld>
+  <p:clrMap bg1="lt1" tx1="dk1" bg2="lt2" tx2="dk2" accent1="accent1" accent2="accent2" accent3="accent3" accent4="accent4" accent5="accent5" accent6="accent6" hlink="hlink" folHlink="folHlink"/>
+  <p:notesStyle>
+    <a:lvl1pPr marL="0" algn="l" defTabSz="914400" rtl="0" eaLnBrk="1" latinLnBrk="0" hangingPunct="1">
+      <a:defRPr sz="1200" kern="1200">
+        <a:solidFill>
+          <a:schemeClr val="tx1"/>
+        </a:solidFill>
+        <a:latin typeface="+mn-lt"/>
+        <a:ea typeface="+mn-ea"/>
+        <a:cs typeface="+mn-cs"/>
+      </a:defRPr>
+    </a:lvl1pPr>
+    <a:lvl2pPr marL="457200" algn="l" defTabSz="914400" rtl="0" eaLnBrk="1" latinLnBrk="0" hangingPunct="1">
+      <a:defRPr sz="1200" kern="1200">
+        <a:solidFill>
+          <a:schemeClr val="tx1"/>
+        </a:solidFill>
+        <a:latin typeface="+mn-lt"/>
+        <a:ea typeface="+mn-ea"/>
+        <a:cs typeface="+mn-cs"/>
+      </a:defRPr>
+    </a:lvl2pPr>
+    <a:lvl3pPr marL="914400" algn="l" defTabSz="914400" rtl="0" eaLnBrk="1" latinLnBrk="0" hangingPunct="1">
+      <a:defRPr sz="1200" kern="1200">
+        <a:solidFill>
+          <a:schemeClr val="tx1"/>
+        </a:solidFill>
+        <a:latin typeface="+mn-lt"/>
+        <a:ea typeface="+mn-ea"/>
+        <a:cs typeface="+mn-cs"/>
+      </a:defRPr>
+    </a:lvl3pPr>
+    <a:lvl4pPr marL="1371600" algn="l" defTabSz="914400" rtl="0" eaLnBrk="1" latinLnBrk="0" hangingPunct="1">
+      <a:defRPr sz="1200" kern="1200">
+        <a:solidFill>
+          <a:schemeClr val="tx1"/>
+        </a:solidFill>
+        <a:latin typeface="+mn-lt"/>
+        <a:ea typeface="+mn-ea"/>
+        <a:cs typeface="+mn-cs"/>
+      </a:defRPr>
+    </a:lvl4pPr>
+    <a:lvl5pPr marL="1828800" algn="l" defTabSz="914400" rtl="0" eaLnBrk="1" latinLnBrk="0" hangingPunct="1">
+      <a:defRPr sz="1200" kern="1200">
+        <a:solidFill>
+          <a:schemeClr val="tx1"/>
+        </a:solidFill>
+        <a:latin typeface="+mn-lt"/>
+        <a:ea typeface="+mn-ea"/>
+        <a:cs typeface="+mn-cs"/>
+      </a:defRPr>
+    </a:lvl5pPr>
+    <a:lvl6pPr marL="2286000" algn="l" defTabSz="914400" rtl="0" eaLnBrk="1" latinLnBrk="0" hangingPunct="1">
+      <a:defRPr sz="1200" kern="1200">
+        <a:solidFill>
+          <a:schemeClr val="tx1"/>
+        </a:solidFill>
+        <a:latin typeface="+mn-lt"/>
+        <a:ea typeface="+mn-ea"/>
+        <a:cs typeface="+mn-cs"/>
+      </a:defRPr>
+    </a:lvl6pPr>
+    <a:lvl7pPr marL="2743200" algn="l" defTabSz="914400" rtl="0" eaLnBrk="1" latinLnBrk="0" hangingPunct="1">
+      <a:defRPr sz="1200" kern="1200">
+        <a:solidFill>
+          <a:schemeClr val="tx1"/>
+        </a:solidFill>
+        <a:latin typeface="+mn-lt"/>
+        <a:ea typeface="+mn-ea"/>
+        <a:cs typeface="+mn-cs"/>
+      </a:defRPr>
+    </a:lvl7pPr>
+    <a:lvl8pPr marL="3200400" algn="l" defTabSz="914400" rtl="0" eaLnBrk="1" latinLnBrk="0" hangingPunct="1">
+      <a:defRPr sz="1200" kern="1200">
+        <a:solidFill>
+          <a:schemeClr val="tx1"/>
+        </a:solidFill>
+        <a:latin typeface="+mn-lt"/>
+        <a:ea typeface="+mn-ea"/>
+        <a:cs typeface="+mn-cs"/>
+      </a:defRPr>
+    </a:lvl8pPr>
+    <a:lvl9pPr marL="3657600" algn="l" defTabSz="914400" rtl="0" eaLnBrk="1" latinLnBrk="0" hangingPunct="1">
+      <a:defRPr sz="1200" kern="1200">
+        <a:solidFill>
+          <a:schemeClr val="tx1"/>
+        </a:solidFill>
+        <a:latin typeface="+mn-lt"/>
+        <a:ea typeface="+mn-ea"/>
+        <a:cs typeface="+mn-cs"/>
+      </a:defRPr>
+    </a:lvl9pPr>
+  </p:notesStyle>
+</p:notesMaster>
 </file>
 
 <file path=ppt/slideLayouts/slideLayout1.xml><?xml version="1.0" encoding="utf-8"?>
@@ -160,12 +567,15 @@
         </p:nvSpPr>
         <p:spPr>
           <a:xfrm>
-            <a:off x="0" y="0"/>
-            <a:ext cx="12192000" cy="6858000"/>
+            <a:off x="0" y="770467"/>
+            <a:ext cx="12192000" cy="6087533"/>
           </a:xfrm>
           <a:prstGeom prst="rect">
             <a:avLst/>
           </a:prstGeom>
+          <a:solidFill>
+            <a:schemeClr val="bg1"/>
+          </a:solidFill>
           <a:ln>
             <a:noFill/>
           </a:ln>
@@ -293,7 +703,7 @@
           </a:lstStyle>
           <a:p>
             <a:r>
-              <a:rPr lang="es-ES"/>
+              <a:rPr lang="es-ES" dirty="0"/>
               <a:t>Haga clic para editar el estilo de subtítulo del patrón</a:t>
             </a:r>
             <a:endParaRPr lang="en-US" dirty="0"/>
@@ -328,7 +738,7 @@
             <a:fld id="{5586B75A-687E-405C-8A0B-8D00578BA2C3}" type="datetimeFigureOut">
               <a:rPr lang="en-US" smtClean="0"/>
               <a:pPr/>
-              <a:t>7/2/2018</a:t>
+              <a:t>7/3/2018</a:t>
             </a:fld>
             <a:endParaRPr lang="en-US" dirty="0"/>
           </a:p>
@@ -519,7 +929,7 @@
           <a:p>
             <a:fld id="{5F4E5243-F52A-4D37-9694-EB26C6C31910}" type="datetimeFigureOut">
               <a:rPr lang="en-US" smtClean="0"/>
-              <a:t>7/2/2018</a:t>
+              <a:t>7/3/2018</a:t>
             </a:fld>
             <a:endParaRPr lang="en-US" dirty="0"/>
           </a:p>
@@ -699,7 +1109,7 @@
           <a:p>
             <a:fld id="{3A77B6E1-634A-48DC-9E8B-D894023267EF}" type="datetimeFigureOut">
               <a:rPr lang="en-US" smtClean="0"/>
-              <a:t>7/2/2018</a:t>
+              <a:t>7/3/2018</a:t>
             </a:fld>
             <a:endParaRPr lang="en-US" dirty="0"/>
           </a:p>
@@ -869,7 +1279,7 @@
           <a:p>
             <a:fld id="{7B2D3E9E-A95C-48F2-B4BF-A71542E0BE9A}" type="datetimeFigureOut">
               <a:rPr lang="en-US" smtClean="0"/>
-              <a:t>7/2/2018</a:t>
+              <a:t>7/3/2018</a:t>
             </a:fld>
             <a:endParaRPr lang="en-US" dirty="0"/>
           </a:p>
@@ -1126,7 +1536,7 @@
             <a:fld id="{5586B75A-687E-405C-8A0B-8D00578BA2C3}" type="datetimeFigureOut">
               <a:rPr lang="en-US" smtClean="0"/>
               <a:pPr/>
-              <a:t>7/2/2018</a:t>
+              <a:t>7/3/2018</a:t>
             </a:fld>
             <a:endParaRPr lang="en-US" dirty="0"/>
           </a:p>
@@ -1415,7 +1825,7 @@
           <a:p>
             <a:fld id="{F12952B5-7A2F-4CC8-B7CE-9234E21C2837}" type="datetimeFigureOut">
               <a:rPr lang="en-US" smtClean="0"/>
-              <a:t>7/2/2018</a:t>
+              <a:t>7/3/2018</a:t>
             </a:fld>
             <a:endParaRPr lang="en-US" dirty="0"/>
           </a:p>
@@ -1853,7 +2263,7 @@
           <a:p>
             <a:fld id="{CE1DA07A-9201-4B4B-BAF2-015AFA30F520}" type="datetimeFigureOut">
               <a:rPr lang="en-US" smtClean="0"/>
-              <a:t>7/2/2018</a:t>
+              <a:t>7/3/2018</a:t>
             </a:fld>
             <a:endParaRPr lang="en-US" dirty="0"/>
           </a:p>
@@ -1971,7 +2381,7 @@
           <a:p>
             <a:fld id="{73D7E00A-486F-4252-8B1D-E32645521F49}" type="datetimeFigureOut">
               <a:rPr lang="en-US" smtClean="0"/>
-              <a:t>7/2/2018</a:t>
+              <a:t>7/3/2018</a:t>
             </a:fld>
             <a:endParaRPr lang="en-US" dirty="0"/>
           </a:p>
@@ -2066,7 +2476,7 @@
           <a:p>
             <a:fld id="{8DDF5F92-E675-4B36-9A60-69A962A68675}" type="datetimeFigureOut">
               <a:rPr lang="en-US" smtClean="0"/>
-              <a:t>7/2/2018</a:t>
+              <a:t>7/3/2018</a:t>
             </a:fld>
             <a:endParaRPr lang="en-US" dirty="0"/>
           </a:p>
@@ -2422,7 +2832,7 @@
           <a:p>
             <a:fld id="{AF6E2C9B-5FA2-460D-9BE7-B0812FC2A6FF}" type="datetimeFigureOut">
               <a:rPr lang="en-US" smtClean="0"/>
-              <a:t>7/2/2018</a:t>
+              <a:t>7/3/2018</a:t>
             </a:fld>
             <a:endParaRPr lang="en-US" dirty="0"/>
           </a:p>
@@ -2740,7 +3150,7 @@
             <a:fld id="{5586B75A-687E-405C-8A0B-8D00578BA2C3}" type="datetimeFigureOut">
               <a:rPr lang="en-US" smtClean="0"/>
               <a:pPr/>
-              <a:t>7/2/2018</a:t>
+              <a:t>7/3/2018</a:t>
             </a:fld>
             <a:endParaRPr lang="en-US" dirty="0"/>
           </a:p>
@@ -2975,7 +3385,7 @@
             <a:fld id="{5586B75A-687E-405C-8A0B-8D00578BA2C3}" type="datetimeFigureOut">
               <a:rPr lang="en-US" smtClean="0"/>
               <a:pPr/>
-              <a:t>7/2/2018</a:t>
+              <a:t>7/3/2018</a:t>
             </a:fld>
             <a:endParaRPr lang="en-US" dirty="0"/>
           </a:p>
@@ -3765,7 +4175,7 @@
             </a:pPr>
             <a:r>
               <a:rPr lang="en-US" sz="3600" b="1" dirty="0"/>
-              <a:t>Results: First user testing</a:t>
+              <a:t>Development: Calibration module</a:t>
             </a:r>
           </a:p>
         </p:txBody>
@@ -3816,10 +4226,208 @@
           </a:p>
         </p:txBody>
       </p:sp>
+      <p:sp>
+        <p:nvSpPr>
+          <p:cNvPr id="5" name="CuadroTexto 4">
+            <a:extLst>
+              <a:ext uri="{FF2B5EF4-FFF2-40B4-BE49-F238E27FC236}">
+                <a16:creationId xmlns:a16="http://schemas.microsoft.com/office/drawing/2014/main" id="{0731FC6B-8895-433F-99E9-44C3E7F170F8}"/>
+              </a:ext>
+            </a:extLst>
+          </p:cNvPr>
+          <p:cNvSpPr txBox="1"/>
+          <p:nvPr/>
+        </p:nvSpPr>
+        <p:spPr>
+          <a:xfrm>
+            <a:off x="1619075" y="2592198"/>
+            <a:ext cx="3011648" cy="3416320"/>
+          </a:xfrm>
+          <a:prstGeom prst="rect">
+            <a:avLst/>
+          </a:prstGeom>
+          <a:noFill/>
+        </p:spPr>
+        <p:txBody>
+          <a:bodyPr wrap="square" rtlCol="0">
+            <a:spAutoFit/>
+          </a:bodyPr>
+          <a:lstStyle/>
+          <a:p>
+            <a:r>
+              <a:rPr lang="en-US" dirty="0"/>
+              <a:t>4 </a:t>
+            </a:r>
+            <a:r>
+              <a:rPr lang="en-US" dirty="0" err="1"/>
+              <a:t>partes</a:t>
+            </a:r>
+            <a:r>
+              <a:rPr lang="en-US" dirty="0"/>
+              <a:t>:</a:t>
+            </a:r>
+          </a:p>
+          <a:p>
+            <a:pPr marL="285750" indent="-285750">
+              <a:buFontTx/>
+              <a:buChar char="-"/>
+            </a:pPr>
+            <a:r>
+              <a:rPr lang="en-US" dirty="0" err="1"/>
+              <a:t>Capturar</a:t>
+            </a:r>
+            <a:r>
+              <a:rPr lang="en-US" dirty="0"/>
+              <a:t> </a:t>
+            </a:r>
+            <a:r>
+              <a:rPr lang="en-US" dirty="0" err="1"/>
+              <a:t>imagenes</a:t>
+            </a:r>
+            <a:endParaRPr lang="en-US" dirty="0"/>
+          </a:p>
+          <a:p>
+            <a:pPr marL="285750" indent="-285750">
+              <a:buFontTx/>
+              <a:buChar char="-"/>
+            </a:pPr>
+            <a:r>
+              <a:rPr lang="en-US" dirty="0"/>
+              <a:t>Pillar </a:t>
+            </a:r>
+            <a:r>
+              <a:rPr lang="en-US" dirty="0" err="1"/>
+              <a:t>puntos</a:t>
+            </a:r>
+            <a:endParaRPr lang="en-US" dirty="0"/>
+          </a:p>
+          <a:p>
+            <a:pPr marL="285750" indent="-285750">
+              <a:buFontTx/>
+              <a:buChar char="-"/>
+            </a:pPr>
+            <a:r>
+              <a:rPr lang="en-US" dirty="0" err="1"/>
+              <a:t>Calibracion</a:t>
+            </a:r>
+            <a:r>
+              <a:rPr lang="en-US" dirty="0"/>
+              <a:t> monocular</a:t>
+            </a:r>
+          </a:p>
+          <a:p>
+            <a:pPr marL="285750" indent="-285750">
+              <a:buFontTx/>
+              <a:buChar char="-"/>
+            </a:pPr>
+            <a:r>
+              <a:rPr lang="en-US" dirty="0" err="1"/>
+              <a:t>Calibracion</a:t>
+            </a:r>
+            <a:r>
+              <a:rPr lang="en-US" dirty="0"/>
+              <a:t> stereo</a:t>
+            </a:r>
+          </a:p>
+          <a:p>
+            <a:pPr marL="285750" indent="-285750">
+              <a:buFontTx/>
+              <a:buChar char="-"/>
+            </a:pPr>
+            <a:r>
+              <a:rPr lang="en-US" dirty="0" err="1"/>
+              <a:t>Poner</a:t>
+            </a:r>
+            <a:r>
+              <a:rPr lang="en-US" dirty="0"/>
+              <a:t> </a:t>
+            </a:r>
+            <a:r>
+              <a:rPr lang="en-US" dirty="0" err="1"/>
+              <a:t>imagenes</a:t>
+            </a:r>
+            <a:r>
+              <a:rPr lang="en-US" dirty="0"/>
+              <a:t> de </a:t>
+            </a:r>
+            <a:r>
+              <a:rPr lang="en-US" dirty="0" err="1"/>
+              <a:t>cada</a:t>
+            </a:r>
+            <a:r>
+              <a:rPr lang="en-US" dirty="0"/>
+              <a:t> </a:t>
+            </a:r>
+            <a:r>
+              <a:rPr lang="en-US" dirty="0" err="1"/>
+              <a:t>paso</a:t>
+            </a:r>
+            <a:r>
+              <a:rPr lang="en-US" dirty="0"/>
+              <a:t>???????? </a:t>
+            </a:r>
+            <a:r>
+              <a:rPr lang="en-US" dirty="0" err="1"/>
+              <a:t>molaria</a:t>
+            </a:r>
+            <a:r>
+              <a:rPr lang="en-US" dirty="0"/>
+              <a:t> </a:t>
+            </a:r>
+          </a:p>
+          <a:p>
+            <a:pPr marL="285750" indent="-285750">
+              <a:buFontTx/>
+              <a:buChar char="-"/>
+            </a:pPr>
+            <a:endParaRPr lang="en-US" dirty="0"/>
+          </a:p>
+          <a:p>
+            <a:r>
+              <a:rPr lang="en-US" dirty="0" err="1"/>
+              <a:t>Problemas</a:t>
+            </a:r>
+            <a:r>
+              <a:rPr lang="en-US" dirty="0"/>
+              <a:t> al pillar </a:t>
+            </a:r>
+            <a:r>
+              <a:rPr lang="en-US" dirty="0" err="1"/>
+              <a:t>parametros</a:t>
+            </a:r>
+            <a:endParaRPr lang="en-US" dirty="0"/>
+          </a:p>
+          <a:p>
+            <a:r>
+              <a:rPr lang="en-US" dirty="0" err="1"/>
+              <a:t>Poner</a:t>
+            </a:r>
+            <a:r>
+              <a:rPr lang="en-US" dirty="0"/>
+              <a:t> imagen de la </a:t>
+            </a:r>
+            <a:r>
+              <a:rPr lang="en-US" dirty="0" err="1"/>
+              <a:t>deformacion</a:t>
+            </a:r>
+            <a:r>
+              <a:rPr lang="en-US" dirty="0"/>
+              <a:t> Tambien? </a:t>
+            </a:r>
+          </a:p>
+          <a:p>
+            <a:pPr marL="285750" indent="-285750">
+              <a:buFontTx/>
+              <a:buChar char="-"/>
+            </a:pPr>
+            <a:endParaRPr lang="en-US" dirty="0"/>
+          </a:p>
+        </p:txBody>
+      </p:sp>
     </p:spTree>
     <p:extLst>
       <p:ext uri="{BB962C8B-B14F-4D97-AF65-F5344CB8AC3E}">
-        <p14:creationId xmlns:p14="http://schemas.microsoft.com/office/powerpoint/2010/main" val="1247071809"/>
+        <p14:creationId xmlns:p14="http://schemas.microsoft.com/office/powerpoint/2010/main" val="1168565310"/>
       </p:ext>
     </p:extLst>
   </p:cSld>
@@ -3885,7 +4493,7 @@
             </a:pPr>
             <a:r>
               <a:rPr lang="en-US" sz="3600" b="1" dirty="0"/>
-              <a:t>Results: Second user testing</a:t>
+              <a:t>Development: Threshold Classifier</a:t>
             </a:r>
           </a:p>
         </p:txBody>
@@ -3936,10 +4544,85 @@
           </a:p>
         </p:txBody>
       </p:sp>
+      <p:sp>
+        <p:nvSpPr>
+          <p:cNvPr id="2" name="CuadroTexto 1">
+            <a:extLst>
+              <a:ext uri="{FF2B5EF4-FFF2-40B4-BE49-F238E27FC236}">
+                <a16:creationId xmlns:a16="http://schemas.microsoft.com/office/drawing/2014/main" id="{08040295-5988-4B0B-85E0-F082AAABEF88}"/>
+              </a:ext>
+            </a:extLst>
+          </p:cNvPr>
+          <p:cNvSpPr txBox="1"/>
+          <p:nvPr/>
+        </p:nvSpPr>
+        <p:spPr>
+          <a:xfrm>
+            <a:off x="1644242" y="3061982"/>
+            <a:ext cx="4370664" cy="923330"/>
+          </a:xfrm>
+          <a:prstGeom prst="rect">
+            <a:avLst/>
+          </a:prstGeom>
+          <a:noFill/>
+        </p:spPr>
+        <p:txBody>
+          <a:bodyPr wrap="square" rtlCol="0">
+            <a:spAutoFit/>
+          </a:bodyPr>
+          <a:lstStyle/>
+          <a:p>
+            <a:r>
+              <a:rPr lang="en-US" dirty="0"/>
+              <a:t>Se </a:t>
+            </a:r>
+            <a:r>
+              <a:rPr lang="en-US" dirty="0" err="1"/>
+              <a:t>hace</a:t>
+            </a:r>
+            <a:r>
+              <a:rPr lang="en-US" dirty="0"/>
+              <a:t> la mean el max y el min </a:t>
+            </a:r>
+            <a:r>
+              <a:rPr lang="en-US" dirty="0" err="1"/>
+              <a:t>sobre</a:t>
+            </a:r>
+            <a:r>
+              <a:rPr lang="en-US" dirty="0"/>
+              <a:t> el </a:t>
+            </a:r>
+            <a:r>
+              <a:rPr lang="en-US" dirty="0" err="1"/>
+              <a:t>centro</a:t>
+            </a:r>
+            <a:r>
+              <a:rPr lang="en-US" dirty="0"/>
+              <a:t> de la imagen- </a:t>
+            </a:r>
+            <a:r>
+              <a:rPr lang="en-US" dirty="0" err="1"/>
+              <a:t>ejemplo</a:t>
+            </a:r>
+            <a:r>
+              <a:rPr lang="en-US" dirty="0"/>
+              <a:t> con un diagram de </a:t>
+            </a:r>
+            <a:r>
+              <a:rPr lang="en-US" dirty="0" err="1"/>
+              <a:t>aquellos</a:t>
+            </a:r>
+            <a:r>
+              <a:rPr lang="en-US" dirty="0"/>
+              <a:t>  </a:t>
+            </a:r>
+          </a:p>
+        </p:txBody>
+      </p:sp>
     </p:spTree>
     <p:extLst>
       <p:ext uri="{BB962C8B-B14F-4D97-AF65-F5344CB8AC3E}">
-        <p14:creationId xmlns:p14="http://schemas.microsoft.com/office/powerpoint/2010/main" val="139530594"/>
+        <p14:creationId xmlns:p14="http://schemas.microsoft.com/office/powerpoint/2010/main" val="4237790515"/>
       </p:ext>
     </p:extLst>
   </p:cSld>
@@ -4005,7 +4688,7 @@
             </a:pPr>
             <a:r>
               <a:rPr lang="en-US" sz="3600" b="1" dirty="0"/>
-              <a:t>Conclusions</a:t>
+              <a:t>Development: Pipeline</a:t>
             </a:r>
           </a:p>
         </p:txBody>
@@ -4053,6 +4736,1442 @@
           <a:p>
             <a:pPr algn="ctr"/>
             <a:endParaRPr lang="en-US" dirty="0"/>
+          </a:p>
+        </p:txBody>
+      </p:sp>
+      <p:sp>
+        <p:nvSpPr>
+          <p:cNvPr id="2" name="CuadroTexto 1">
+            <a:extLst>
+              <a:ext uri="{FF2B5EF4-FFF2-40B4-BE49-F238E27FC236}">
+                <a16:creationId xmlns:a16="http://schemas.microsoft.com/office/drawing/2014/main" id="{CDED0AD8-B94D-41D8-90AF-5DE361489602}"/>
+              </a:ext>
+            </a:extLst>
+          </p:cNvPr>
+          <p:cNvSpPr txBox="1"/>
+          <p:nvPr/>
+        </p:nvSpPr>
+        <p:spPr>
+          <a:xfrm>
+            <a:off x="1610686" y="2684477"/>
+            <a:ext cx="3909270" cy="369332"/>
+          </a:xfrm>
+          <a:prstGeom prst="rect">
+            <a:avLst/>
+          </a:prstGeom>
+          <a:noFill/>
+        </p:spPr>
+        <p:txBody>
+          <a:bodyPr wrap="square" rtlCol="0">
+            <a:spAutoFit/>
+          </a:bodyPr>
+          <a:lstStyle/>
+          <a:p>
+            <a:r>
+              <a:rPr lang="en-US" dirty="0" err="1"/>
+              <a:t>Diagrama</a:t>
+            </a:r>
+            <a:r>
+              <a:rPr lang="en-US" dirty="0"/>
+              <a:t> y </a:t>
+            </a:r>
+            <a:r>
+              <a:rPr lang="en-US" dirty="0" err="1"/>
+              <a:t>explicar</a:t>
+            </a:r>
+            <a:r>
+              <a:rPr lang="en-US" dirty="0"/>
+              <a:t> </a:t>
+            </a:r>
+            <a:r>
+              <a:rPr lang="en-US" dirty="0" err="1"/>
+              <a:t>cada</a:t>
+            </a:r>
+            <a:r>
+              <a:rPr lang="en-US" dirty="0"/>
+              <a:t> </a:t>
+            </a:r>
+            <a:r>
+              <a:rPr lang="en-US" dirty="0" err="1"/>
+              <a:t>parte</a:t>
+            </a:r>
+            <a:r>
+              <a:rPr lang="en-US" dirty="0"/>
+              <a:t> </a:t>
+            </a:r>
+          </a:p>
+        </p:txBody>
+      </p:sp>
+    </p:spTree>
+    <p:extLst>
+      <p:ext uri="{BB962C8B-B14F-4D97-AF65-F5344CB8AC3E}">
+        <p14:creationId xmlns:p14="http://schemas.microsoft.com/office/powerpoint/2010/main" val="352027358"/>
+      </p:ext>
+    </p:extLst>
+  </p:cSld>
+  <p:clrMapOvr>
+    <a:masterClrMapping/>
+  </p:clrMapOvr>
+</p:sld>
+</file>
+
+<file path=ppt/slides/slide13.xml><?xml version="1.0" encoding="utf-8"?>
+<p:sld xmlns:a="http://schemas.openxmlformats.org/drawingml/2006/main" xmlns:r="http://schemas.openxmlformats.org/officeDocument/2006/relationships" xmlns:p="http://schemas.openxmlformats.org/presentationml/2006/main" showMasterSp="0">
+  <p:cSld>
+    <p:bg>
+      <p:bgPr>
+        <a:solidFill>
+          <a:schemeClr val="accent1">
+            <a:lumMod val="50000"/>
+          </a:schemeClr>
+        </a:solidFill>
+        <a:effectLst/>
+      </p:bgPr>
+    </p:bg>
+    <p:spTree>
+      <p:nvGrpSpPr>
+        <p:cNvPr id="1" name=""/>
+        <p:cNvGrpSpPr/>
+        <p:nvPr/>
+      </p:nvGrpSpPr>
+      <p:grpSpPr>
+        <a:xfrm>
+          <a:off x="0" y="0"/>
+          <a:ext cx="0" cy="0"/>
+          <a:chOff x="0" y="0"/>
+          <a:chExt cx="0" cy="0"/>
+        </a:xfrm>
+      </p:grpSpPr>
+      <p:sp>
+        <p:nvSpPr>
+          <p:cNvPr id="3" name="Subtítulo 2"/>
+          <p:cNvSpPr>
+            <a:spLocks noGrp="1"/>
+          </p:cNvSpPr>
+          <p:nvPr>
+            <p:ph type="subTitle" idx="1"/>
+          </p:nvPr>
+        </p:nvSpPr>
+        <p:spPr>
+          <a:xfrm>
+            <a:off x="0" y="318249"/>
+            <a:ext cx="12192000" cy="850151"/>
+          </a:xfrm>
+        </p:spPr>
+        <p:txBody>
+          <a:bodyPr>
+            <a:noAutofit/>
+          </a:bodyPr>
+          <a:lstStyle/>
+          <a:p>
+            <a:pPr algn="ctr">
+              <a:lnSpc>
+                <a:spcPct val="150000"/>
+              </a:lnSpc>
+            </a:pPr>
+            <a:r>
+              <a:rPr lang="en-US" sz="3600" b="1" dirty="0"/>
+              <a:t>Development: Pipeline example</a:t>
+            </a:r>
+          </a:p>
+        </p:txBody>
+      </p:sp>
+      <p:sp>
+        <p:nvSpPr>
+          <p:cNvPr id="9" name="Rectángulo 8"/>
+          <p:cNvSpPr/>
+          <p:nvPr/>
+        </p:nvSpPr>
+        <p:spPr>
+          <a:xfrm>
+            <a:off x="0" y="1270001"/>
+            <a:ext cx="12192000" cy="5588001"/>
+          </a:xfrm>
+          <a:prstGeom prst="rect">
+            <a:avLst/>
+          </a:prstGeom>
+          <a:solidFill>
+            <a:schemeClr val="bg1"/>
+          </a:solidFill>
+          <a:ln>
+            <a:noFill/>
+          </a:ln>
+        </p:spPr>
+        <p:style>
+          <a:lnRef idx="2">
+            <a:schemeClr val="accent1">
+              <a:shade val="50000"/>
+            </a:schemeClr>
+          </a:lnRef>
+          <a:fillRef idx="1">
+            <a:schemeClr val="accent1"/>
+          </a:fillRef>
+          <a:effectRef idx="0">
+            <a:schemeClr val="accent1"/>
+          </a:effectRef>
+          <a:fontRef idx="minor">
+            <a:schemeClr val="lt1"/>
+          </a:fontRef>
+        </p:style>
+        <p:txBody>
+          <a:bodyPr rtlCol="0" anchor="ctr"/>
+          <a:lstStyle/>
+          <a:p>
+            <a:pPr algn="ctr"/>
+            <a:endParaRPr lang="en-US" dirty="0"/>
+          </a:p>
+        </p:txBody>
+      </p:sp>
+      <p:sp>
+        <p:nvSpPr>
+          <p:cNvPr id="2" name="CuadroTexto 1">
+            <a:extLst>
+              <a:ext uri="{FF2B5EF4-FFF2-40B4-BE49-F238E27FC236}">
+                <a16:creationId xmlns:a16="http://schemas.microsoft.com/office/drawing/2014/main" id="{CDED0AD8-B94D-41D8-90AF-5DE361489602}"/>
+              </a:ext>
+            </a:extLst>
+          </p:cNvPr>
+          <p:cNvSpPr txBox="1"/>
+          <p:nvPr/>
+        </p:nvSpPr>
+        <p:spPr>
+          <a:xfrm>
+            <a:off x="1610686" y="2684477"/>
+            <a:ext cx="3909270" cy="923330"/>
+          </a:xfrm>
+          <a:prstGeom prst="rect">
+            <a:avLst/>
+          </a:prstGeom>
+          <a:noFill/>
+        </p:spPr>
+        <p:txBody>
+          <a:bodyPr wrap="square" rtlCol="0">
+            <a:spAutoFit/>
+          </a:bodyPr>
+          <a:lstStyle/>
+          <a:p>
+            <a:r>
+              <a:rPr lang="en-US" dirty="0" err="1"/>
+              <a:t>Finalmente</a:t>
+            </a:r>
+            <a:r>
+              <a:rPr lang="en-US" dirty="0"/>
+              <a:t> Podemos </a:t>
+            </a:r>
+            <a:r>
+              <a:rPr lang="en-US" dirty="0" err="1"/>
+              <a:t>ver</a:t>
+            </a:r>
+            <a:r>
+              <a:rPr lang="en-US" dirty="0"/>
+              <a:t> </a:t>
+            </a:r>
+            <a:r>
+              <a:rPr lang="en-US" dirty="0" err="1"/>
+              <a:t>todas</a:t>
+            </a:r>
+            <a:r>
+              <a:rPr lang="en-US" dirty="0"/>
+              <a:t> las </a:t>
+            </a:r>
+            <a:r>
+              <a:rPr lang="en-US" dirty="0" err="1"/>
+              <a:t>operaciones</a:t>
+            </a:r>
+            <a:r>
+              <a:rPr lang="en-US" dirty="0"/>
+              <a:t> que </a:t>
+            </a:r>
+            <a:r>
+              <a:rPr lang="en-US" dirty="0" err="1"/>
+              <a:t>sufren</a:t>
+            </a:r>
+            <a:r>
+              <a:rPr lang="en-US" dirty="0"/>
+              <a:t> las </a:t>
+            </a:r>
+            <a:r>
+              <a:rPr lang="en-US" dirty="0" err="1"/>
+              <a:t>imagenes</a:t>
+            </a:r>
+            <a:endParaRPr lang="en-US" dirty="0"/>
+          </a:p>
+          <a:p>
+            <a:r>
+              <a:rPr lang="en-US" dirty="0" err="1"/>
+              <a:t>Diagrama</a:t>
+            </a:r>
+            <a:r>
+              <a:rPr lang="en-US" dirty="0"/>
+              <a:t> del </a:t>
+            </a:r>
+            <a:r>
+              <a:rPr lang="en-US" dirty="0" err="1"/>
+              <a:t>proceso</a:t>
+            </a:r>
+            <a:r>
+              <a:rPr lang="en-US" dirty="0"/>
+              <a:t>, </a:t>
+            </a:r>
+            <a:r>
+              <a:rPr lang="en-US" dirty="0" err="1"/>
+              <a:t>foto</a:t>
+            </a:r>
+            <a:r>
+              <a:rPr lang="en-US" dirty="0"/>
+              <a:t> </a:t>
+            </a:r>
+            <a:r>
+              <a:rPr lang="en-US" dirty="0" err="1"/>
+              <a:t>guay</a:t>
+            </a:r>
+            <a:r>
+              <a:rPr lang="en-US" dirty="0"/>
+              <a:t> fig5</a:t>
+            </a:r>
+          </a:p>
+        </p:txBody>
+      </p:sp>
+    </p:spTree>
+    <p:extLst>
+      <p:ext uri="{BB962C8B-B14F-4D97-AF65-F5344CB8AC3E}">
+        <p14:creationId xmlns:p14="http://schemas.microsoft.com/office/powerpoint/2010/main" val="3112818499"/>
+      </p:ext>
+    </p:extLst>
+  </p:cSld>
+  <p:clrMapOvr>
+    <a:masterClrMapping/>
+  </p:clrMapOvr>
+</p:sld>
+</file>
+
+<file path=ppt/slides/slide14.xml><?xml version="1.0" encoding="utf-8"?>
+<p:sld xmlns:a="http://schemas.openxmlformats.org/drawingml/2006/main" xmlns:r="http://schemas.openxmlformats.org/officeDocument/2006/relationships" xmlns:p="http://schemas.openxmlformats.org/presentationml/2006/main" showMasterSp="0">
+  <p:cSld>
+    <p:bg>
+      <p:bgPr>
+        <a:solidFill>
+          <a:schemeClr val="accent1">
+            <a:lumMod val="50000"/>
+          </a:schemeClr>
+        </a:solidFill>
+        <a:effectLst/>
+      </p:bgPr>
+    </p:bg>
+    <p:spTree>
+      <p:nvGrpSpPr>
+        <p:cNvPr id="1" name=""/>
+        <p:cNvGrpSpPr/>
+        <p:nvPr/>
+      </p:nvGrpSpPr>
+      <p:grpSpPr>
+        <a:xfrm>
+          <a:off x="0" y="0"/>
+          <a:ext cx="0" cy="0"/>
+          <a:chOff x="0" y="0"/>
+          <a:chExt cx="0" cy="0"/>
+        </a:xfrm>
+      </p:grpSpPr>
+      <p:sp>
+        <p:nvSpPr>
+          <p:cNvPr id="3" name="Subtítulo 2"/>
+          <p:cNvSpPr>
+            <a:spLocks noGrp="1"/>
+          </p:cNvSpPr>
+          <p:nvPr>
+            <p:ph type="subTitle" idx="1"/>
+          </p:nvPr>
+        </p:nvSpPr>
+        <p:spPr>
+          <a:xfrm>
+            <a:off x="0" y="318249"/>
+            <a:ext cx="12192000" cy="850151"/>
+          </a:xfrm>
+        </p:spPr>
+        <p:txBody>
+          <a:bodyPr>
+            <a:noAutofit/>
+          </a:bodyPr>
+          <a:lstStyle/>
+          <a:p>
+            <a:pPr algn="ctr">
+              <a:lnSpc>
+                <a:spcPct val="150000"/>
+              </a:lnSpc>
+            </a:pPr>
+            <a:r>
+              <a:rPr lang="en-US" sz="3600" b="1" dirty="0"/>
+              <a:t>Results: Performance issues</a:t>
+            </a:r>
+          </a:p>
+        </p:txBody>
+      </p:sp>
+      <p:sp>
+        <p:nvSpPr>
+          <p:cNvPr id="9" name="Rectángulo 8"/>
+          <p:cNvSpPr/>
+          <p:nvPr/>
+        </p:nvSpPr>
+        <p:spPr>
+          <a:xfrm>
+            <a:off x="0" y="1270001"/>
+            <a:ext cx="12192000" cy="5588001"/>
+          </a:xfrm>
+          <a:prstGeom prst="rect">
+            <a:avLst/>
+          </a:prstGeom>
+          <a:solidFill>
+            <a:schemeClr val="bg1"/>
+          </a:solidFill>
+          <a:ln>
+            <a:noFill/>
+          </a:ln>
+        </p:spPr>
+        <p:style>
+          <a:lnRef idx="2">
+            <a:schemeClr val="accent1">
+              <a:shade val="50000"/>
+            </a:schemeClr>
+          </a:lnRef>
+          <a:fillRef idx="1">
+            <a:schemeClr val="accent1"/>
+          </a:fillRef>
+          <a:effectRef idx="0">
+            <a:schemeClr val="accent1"/>
+          </a:effectRef>
+          <a:fontRef idx="minor">
+            <a:schemeClr val="lt1"/>
+          </a:fontRef>
+        </p:style>
+        <p:txBody>
+          <a:bodyPr rtlCol="0" anchor="ctr"/>
+          <a:lstStyle/>
+          <a:p>
+            <a:pPr algn="ctr"/>
+            <a:endParaRPr lang="en-US" dirty="0"/>
+          </a:p>
+        </p:txBody>
+      </p:sp>
+      <p:sp>
+        <p:nvSpPr>
+          <p:cNvPr id="2" name="CuadroTexto 1">
+            <a:extLst>
+              <a:ext uri="{FF2B5EF4-FFF2-40B4-BE49-F238E27FC236}">
+                <a16:creationId xmlns:a16="http://schemas.microsoft.com/office/drawing/2014/main" id="{C8E0C291-56B7-477A-9AEE-BCAD5FD2E550}"/>
+              </a:ext>
+            </a:extLst>
+          </p:cNvPr>
+          <p:cNvSpPr txBox="1"/>
+          <p:nvPr/>
+        </p:nvSpPr>
+        <p:spPr>
+          <a:xfrm>
+            <a:off x="2432807" y="2869035"/>
+            <a:ext cx="3523376" cy="646331"/>
+          </a:xfrm>
+          <a:prstGeom prst="rect">
+            <a:avLst/>
+          </a:prstGeom>
+          <a:noFill/>
+        </p:spPr>
+        <p:txBody>
+          <a:bodyPr wrap="square" rtlCol="0">
+            <a:spAutoFit/>
+          </a:bodyPr>
+          <a:lstStyle/>
+          <a:p>
+            <a:r>
+              <a:rPr lang="en-US" dirty="0" err="1"/>
+              <a:t>Problemas</a:t>
+            </a:r>
+            <a:r>
+              <a:rPr lang="en-US" dirty="0"/>
+              <a:t> de </a:t>
+            </a:r>
+            <a:r>
+              <a:rPr lang="en-US" dirty="0" err="1"/>
+              <a:t>rendimiento</a:t>
+            </a:r>
+            <a:endParaRPr lang="en-US" dirty="0"/>
+          </a:p>
+          <a:p>
+            <a:r>
+              <a:rPr lang="en-US" dirty="0"/>
+              <a:t>Roi vs </a:t>
+            </a:r>
+            <a:r>
+              <a:rPr lang="en-US" dirty="0" err="1"/>
+              <a:t>downsampling</a:t>
+            </a:r>
+            <a:r>
+              <a:rPr lang="en-US" dirty="0"/>
+              <a:t> </a:t>
+            </a:r>
+          </a:p>
+        </p:txBody>
+      </p:sp>
+    </p:spTree>
+    <p:extLst>
+      <p:ext uri="{BB962C8B-B14F-4D97-AF65-F5344CB8AC3E}">
+        <p14:creationId xmlns:p14="http://schemas.microsoft.com/office/powerpoint/2010/main" val="1154150897"/>
+      </p:ext>
+    </p:extLst>
+  </p:cSld>
+  <p:clrMapOvr>
+    <a:masterClrMapping/>
+  </p:clrMapOvr>
+</p:sld>
+</file>
+
+<file path=ppt/slides/slide15.xml><?xml version="1.0" encoding="utf-8"?>
+<p:sld xmlns:a="http://schemas.openxmlformats.org/drawingml/2006/main" xmlns:r="http://schemas.openxmlformats.org/officeDocument/2006/relationships" xmlns:p="http://schemas.openxmlformats.org/presentationml/2006/main" showMasterSp="0">
+  <p:cSld>
+    <p:bg>
+      <p:bgPr>
+        <a:solidFill>
+          <a:schemeClr val="accent1">
+            <a:lumMod val="50000"/>
+          </a:schemeClr>
+        </a:solidFill>
+        <a:effectLst/>
+      </p:bgPr>
+    </p:bg>
+    <p:spTree>
+      <p:nvGrpSpPr>
+        <p:cNvPr id="1" name=""/>
+        <p:cNvGrpSpPr/>
+        <p:nvPr/>
+      </p:nvGrpSpPr>
+      <p:grpSpPr>
+        <a:xfrm>
+          <a:off x="0" y="0"/>
+          <a:ext cx="0" cy="0"/>
+          <a:chOff x="0" y="0"/>
+          <a:chExt cx="0" cy="0"/>
+        </a:xfrm>
+      </p:grpSpPr>
+      <p:sp>
+        <p:nvSpPr>
+          <p:cNvPr id="3" name="Subtítulo 2"/>
+          <p:cNvSpPr>
+            <a:spLocks noGrp="1"/>
+          </p:cNvSpPr>
+          <p:nvPr>
+            <p:ph type="subTitle" idx="1"/>
+          </p:nvPr>
+        </p:nvSpPr>
+        <p:spPr>
+          <a:xfrm>
+            <a:off x="0" y="318249"/>
+            <a:ext cx="12192000" cy="850151"/>
+          </a:xfrm>
+        </p:spPr>
+        <p:txBody>
+          <a:bodyPr>
+            <a:noAutofit/>
+          </a:bodyPr>
+          <a:lstStyle/>
+          <a:p>
+            <a:pPr algn="ctr">
+              <a:lnSpc>
+                <a:spcPct val="150000"/>
+              </a:lnSpc>
+            </a:pPr>
+            <a:r>
+              <a:rPr lang="en-US" sz="3600" b="1" dirty="0"/>
+              <a:t>Results: Output stability</a:t>
+            </a:r>
+          </a:p>
+        </p:txBody>
+      </p:sp>
+      <p:sp>
+        <p:nvSpPr>
+          <p:cNvPr id="9" name="Rectángulo 8"/>
+          <p:cNvSpPr/>
+          <p:nvPr/>
+        </p:nvSpPr>
+        <p:spPr>
+          <a:xfrm>
+            <a:off x="0" y="1270001"/>
+            <a:ext cx="12192000" cy="5588001"/>
+          </a:xfrm>
+          <a:prstGeom prst="rect">
+            <a:avLst/>
+          </a:prstGeom>
+          <a:solidFill>
+            <a:schemeClr val="bg1"/>
+          </a:solidFill>
+          <a:ln>
+            <a:noFill/>
+          </a:ln>
+        </p:spPr>
+        <p:style>
+          <a:lnRef idx="2">
+            <a:schemeClr val="accent1">
+              <a:shade val="50000"/>
+            </a:schemeClr>
+          </a:lnRef>
+          <a:fillRef idx="1">
+            <a:schemeClr val="accent1"/>
+          </a:fillRef>
+          <a:effectRef idx="0">
+            <a:schemeClr val="accent1"/>
+          </a:effectRef>
+          <a:fontRef idx="minor">
+            <a:schemeClr val="lt1"/>
+          </a:fontRef>
+        </p:style>
+        <p:txBody>
+          <a:bodyPr rtlCol="0" anchor="ctr"/>
+          <a:lstStyle/>
+          <a:p>
+            <a:pPr algn="ctr"/>
+            <a:endParaRPr lang="en-US" dirty="0"/>
+          </a:p>
+        </p:txBody>
+      </p:sp>
+      <p:sp>
+        <p:nvSpPr>
+          <p:cNvPr id="2" name="CuadroTexto 1">
+            <a:extLst>
+              <a:ext uri="{FF2B5EF4-FFF2-40B4-BE49-F238E27FC236}">
+                <a16:creationId xmlns:a16="http://schemas.microsoft.com/office/drawing/2014/main" id="{6630E4C6-A419-4652-8156-2DFAA3FF9804}"/>
+              </a:ext>
+            </a:extLst>
+          </p:cNvPr>
+          <p:cNvSpPr txBox="1"/>
+          <p:nvPr/>
+        </p:nvSpPr>
+        <p:spPr>
+          <a:xfrm>
+            <a:off x="2088859" y="2801923"/>
+            <a:ext cx="3791824" cy="646331"/>
+          </a:xfrm>
+          <a:prstGeom prst="rect">
+            <a:avLst/>
+          </a:prstGeom>
+          <a:noFill/>
+        </p:spPr>
+        <p:txBody>
+          <a:bodyPr wrap="square" rtlCol="0">
+            <a:spAutoFit/>
+          </a:bodyPr>
+          <a:lstStyle/>
+          <a:p>
+            <a:r>
+              <a:rPr lang="en-US" dirty="0" err="1"/>
+              <a:t>Graficas</a:t>
+            </a:r>
+            <a:r>
+              <a:rPr lang="en-US" dirty="0"/>
+              <a:t> del output </a:t>
+            </a:r>
+            <a:r>
+              <a:rPr lang="en-US" dirty="0" err="1"/>
+              <a:t>explicar</a:t>
+            </a:r>
+            <a:r>
+              <a:rPr lang="en-US" dirty="0"/>
+              <a:t> que solo mean </a:t>
+            </a:r>
+            <a:r>
+              <a:rPr lang="en-US" dirty="0" err="1"/>
+              <a:t>funciona</a:t>
+            </a:r>
+            <a:r>
+              <a:rPr lang="en-US" dirty="0"/>
+              <a:t> </a:t>
+            </a:r>
+            <a:r>
+              <a:rPr lang="en-US" dirty="0" err="1"/>
+              <a:t>bien</a:t>
+            </a:r>
+            <a:endParaRPr lang="en-US" dirty="0"/>
+          </a:p>
+        </p:txBody>
+      </p:sp>
+    </p:spTree>
+    <p:extLst>
+      <p:ext uri="{BB962C8B-B14F-4D97-AF65-F5344CB8AC3E}">
+        <p14:creationId xmlns:p14="http://schemas.microsoft.com/office/powerpoint/2010/main" val="2263191293"/>
+      </p:ext>
+    </p:extLst>
+  </p:cSld>
+  <p:clrMapOvr>
+    <a:masterClrMapping/>
+  </p:clrMapOvr>
+</p:sld>
+</file>
+
+<file path=ppt/slides/slide16.xml><?xml version="1.0" encoding="utf-8"?>
+<p:sld xmlns:a="http://schemas.openxmlformats.org/drawingml/2006/main" xmlns:r="http://schemas.openxmlformats.org/officeDocument/2006/relationships" xmlns:p="http://schemas.openxmlformats.org/presentationml/2006/main" showMasterSp="0">
+  <p:cSld>
+    <p:bg>
+      <p:bgPr>
+        <a:solidFill>
+          <a:schemeClr val="accent1">
+            <a:lumMod val="50000"/>
+          </a:schemeClr>
+        </a:solidFill>
+        <a:effectLst/>
+      </p:bgPr>
+    </p:bg>
+    <p:spTree>
+      <p:nvGrpSpPr>
+        <p:cNvPr id="1" name=""/>
+        <p:cNvGrpSpPr/>
+        <p:nvPr/>
+      </p:nvGrpSpPr>
+      <p:grpSpPr>
+        <a:xfrm>
+          <a:off x="0" y="0"/>
+          <a:ext cx="0" cy="0"/>
+          <a:chOff x="0" y="0"/>
+          <a:chExt cx="0" cy="0"/>
+        </a:xfrm>
+      </p:grpSpPr>
+      <p:sp>
+        <p:nvSpPr>
+          <p:cNvPr id="3" name="Subtítulo 2"/>
+          <p:cNvSpPr>
+            <a:spLocks noGrp="1"/>
+          </p:cNvSpPr>
+          <p:nvPr>
+            <p:ph type="subTitle" idx="1"/>
+          </p:nvPr>
+        </p:nvSpPr>
+        <p:spPr>
+          <a:xfrm>
+            <a:off x="0" y="318249"/>
+            <a:ext cx="12192000" cy="850151"/>
+          </a:xfrm>
+        </p:spPr>
+        <p:txBody>
+          <a:bodyPr>
+            <a:noAutofit/>
+          </a:bodyPr>
+          <a:lstStyle/>
+          <a:p>
+            <a:pPr algn="ctr">
+              <a:lnSpc>
+                <a:spcPct val="150000"/>
+              </a:lnSpc>
+            </a:pPr>
+            <a:r>
+              <a:rPr lang="en-US" sz="3600" b="1" dirty="0"/>
+              <a:t>Results: First user testing</a:t>
+            </a:r>
+          </a:p>
+        </p:txBody>
+      </p:sp>
+      <p:sp>
+        <p:nvSpPr>
+          <p:cNvPr id="9" name="Rectángulo 8"/>
+          <p:cNvSpPr/>
+          <p:nvPr/>
+        </p:nvSpPr>
+        <p:spPr>
+          <a:xfrm>
+            <a:off x="0" y="1270001"/>
+            <a:ext cx="12192000" cy="5588001"/>
+          </a:xfrm>
+          <a:prstGeom prst="rect">
+            <a:avLst/>
+          </a:prstGeom>
+          <a:solidFill>
+            <a:schemeClr val="bg1"/>
+          </a:solidFill>
+          <a:ln>
+            <a:noFill/>
+          </a:ln>
+        </p:spPr>
+        <p:style>
+          <a:lnRef idx="2">
+            <a:schemeClr val="accent1">
+              <a:shade val="50000"/>
+            </a:schemeClr>
+          </a:lnRef>
+          <a:fillRef idx="1">
+            <a:schemeClr val="accent1"/>
+          </a:fillRef>
+          <a:effectRef idx="0">
+            <a:schemeClr val="accent1"/>
+          </a:effectRef>
+          <a:fontRef idx="minor">
+            <a:schemeClr val="lt1"/>
+          </a:fontRef>
+        </p:style>
+        <p:txBody>
+          <a:bodyPr rtlCol="0" anchor="ctr"/>
+          <a:lstStyle/>
+          <a:p>
+            <a:pPr algn="ctr"/>
+            <a:endParaRPr lang="en-US" dirty="0"/>
+          </a:p>
+        </p:txBody>
+      </p:sp>
+      <p:sp>
+        <p:nvSpPr>
+          <p:cNvPr id="2" name="CuadroTexto 1">
+            <a:extLst>
+              <a:ext uri="{FF2B5EF4-FFF2-40B4-BE49-F238E27FC236}">
+                <a16:creationId xmlns:a16="http://schemas.microsoft.com/office/drawing/2014/main" id="{7D68D8FC-E475-419E-A890-68F1E5524EA7}"/>
+              </a:ext>
+            </a:extLst>
+          </p:cNvPr>
+          <p:cNvSpPr txBox="1"/>
+          <p:nvPr/>
+        </p:nvSpPr>
+        <p:spPr>
+          <a:xfrm>
+            <a:off x="2223083" y="2525086"/>
+            <a:ext cx="4060271" cy="646331"/>
+          </a:xfrm>
+          <a:prstGeom prst="rect">
+            <a:avLst/>
+          </a:prstGeom>
+          <a:noFill/>
+        </p:spPr>
+        <p:txBody>
+          <a:bodyPr wrap="square" rtlCol="0">
+            <a:spAutoFit/>
+          </a:bodyPr>
+          <a:lstStyle/>
+          <a:p>
+            <a:r>
+              <a:rPr lang="en-US" dirty="0" err="1"/>
+              <a:t>Resultados</a:t>
+            </a:r>
+            <a:r>
+              <a:rPr lang="en-US" dirty="0"/>
+              <a:t> user testing 1 </a:t>
+            </a:r>
+            <a:r>
+              <a:rPr lang="en-US" dirty="0" err="1"/>
+              <a:t>explicar</a:t>
+            </a:r>
+            <a:r>
+              <a:rPr lang="en-US" dirty="0"/>
+              <a:t> </a:t>
+            </a:r>
+            <a:r>
+              <a:rPr lang="en-US" dirty="0" err="1"/>
+              <a:t>dudas</a:t>
+            </a:r>
+            <a:r>
+              <a:rPr lang="en-US" dirty="0"/>
+              <a:t> </a:t>
+            </a:r>
+            <a:r>
+              <a:rPr lang="en-US" dirty="0" err="1"/>
+              <a:t>sobre</a:t>
+            </a:r>
+            <a:r>
+              <a:rPr lang="en-US" dirty="0"/>
+              <a:t> </a:t>
+            </a:r>
+            <a:r>
+              <a:rPr lang="en-US" dirty="0" err="1"/>
+              <a:t>sujetos</a:t>
+            </a:r>
+            <a:r>
+              <a:rPr lang="en-US" dirty="0"/>
+              <a:t> 1 y 3  </a:t>
+            </a:r>
+          </a:p>
+        </p:txBody>
+      </p:sp>
+    </p:spTree>
+    <p:extLst>
+      <p:ext uri="{BB962C8B-B14F-4D97-AF65-F5344CB8AC3E}">
+        <p14:creationId xmlns:p14="http://schemas.microsoft.com/office/powerpoint/2010/main" val="1247071809"/>
+      </p:ext>
+    </p:extLst>
+  </p:cSld>
+  <p:clrMapOvr>
+    <a:masterClrMapping/>
+  </p:clrMapOvr>
+</p:sld>
+</file>
+
+<file path=ppt/slides/slide17.xml><?xml version="1.0" encoding="utf-8"?>
+<p:sld xmlns:a="http://schemas.openxmlformats.org/drawingml/2006/main" xmlns:r="http://schemas.openxmlformats.org/officeDocument/2006/relationships" xmlns:p="http://schemas.openxmlformats.org/presentationml/2006/main" showMasterSp="0">
+  <p:cSld>
+    <p:bg>
+      <p:bgPr>
+        <a:solidFill>
+          <a:schemeClr val="accent1">
+            <a:lumMod val="50000"/>
+          </a:schemeClr>
+        </a:solidFill>
+        <a:effectLst/>
+      </p:bgPr>
+    </p:bg>
+    <p:spTree>
+      <p:nvGrpSpPr>
+        <p:cNvPr id="1" name=""/>
+        <p:cNvGrpSpPr/>
+        <p:nvPr/>
+      </p:nvGrpSpPr>
+      <p:grpSpPr>
+        <a:xfrm>
+          <a:off x="0" y="0"/>
+          <a:ext cx="0" cy="0"/>
+          <a:chOff x="0" y="0"/>
+          <a:chExt cx="0" cy="0"/>
+        </a:xfrm>
+      </p:grpSpPr>
+      <p:sp>
+        <p:nvSpPr>
+          <p:cNvPr id="3" name="Subtítulo 2"/>
+          <p:cNvSpPr>
+            <a:spLocks noGrp="1"/>
+          </p:cNvSpPr>
+          <p:nvPr>
+            <p:ph type="subTitle" idx="1"/>
+          </p:nvPr>
+        </p:nvSpPr>
+        <p:spPr>
+          <a:xfrm>
+            <a:off x="0" y="318249"/>
+            <a:ext cx="12192000" cy="850151"/>
+          </a:xfrm>
+        </p:spPr>
+        <p:txBody>
+          <a:bodyPr>
+            <a:noAutofit/>
+          </a:bodyPr>
+          <a:lstStyle/>
+          <a:p>
+            <a:pPr algn="ctr">
+              <a:lnSpc>
+                <a:spcPct val="150000"/>
+              </a:lnSpc>
+            </a:pPr>
+            <a:r>
+              <a:rPr lang="en-US" sz="3600" b="1" dirty="0"/>
+              <a:t>Results: Second user testing</a:t>
+            </a:r>
+          </a:p>
+        </p:txBody>
+      </p:sp>
+      <p:sp>
+        <p:nvSpPr>
+          <p:cNvPr id="9" name="Rectángulo 8"/>
+          <p:cNvSpPr/>
+          <p:nvPr/>
+        </p:nvSpPr>
+        <p:spPr>
+          <a:xfrm>
+            <a:off x="0" y="1270001"/>
+            <a:ext cx="12192000" cy="5588001"/>
+          </a:xfrm>
+          <a:prstGeom prst="rect">
+            <a:avLst/>
+          </a:prstGeom>
+          <a:solidFill>
+            <a:schemeClr val="bg1"/>
+          </a:solidFill>
+          <a:ln>
+            <a:noFill/>
+          </a:ln>
+        </p:spPr>
+        <p:style>
+          <a:lnRef idx="2">
+            <a:schemeClr val="accent1">
+              <a:shade val="50000"/>
+            </a:schemeClr>
+          </a:lnRef>
+          <a:fillRef idx="1">
+            <a:schemeClr val="accent1"/>
+          </a:fillRef>
+          <a:effectRef idx="0">
+            <a:schemeClr val="accent1"/>
+          </a:effectRef>
+          <a:fontRef idx="minor">
+            <a:schemeClr val="lt1"/>
+          </a:fontRef>
+        </p:style>
+        <p:txBody>
+          <a:bodyPr rtlCol="0" anchor="ctr"/>
+          <a:lstStyle/>
+          <a:p>
+            <a:pPr algn="ctr"/>
+            <a:endParaRPr lang="en-US" dirty="0"/>
+          </a:p>
+        </p:txBody>
+      </p:sp>
+      <p:sp>
+        <p:nvSpPr>
+          <p:cNvPr id="2" name="CuadroTexto 1">
+            <a:extLst>
+              <a:ext uri="{FF2B5EF4-FFF2-40B4-BE49-F238E27FC236}">
+                <a16:creationId xmlns:a16="http://schemas.microsoft.com/office/drawing/2014/main" id="{D1434DF4-C615-4828-A34D-F1F61D44903B}"/>
+              </a:ext>
+            </a:extLst>
+          </p:cNvPr>
+          <p:cNvSpPr txBox="1"/>
+          <p:nvPr/>
+        </p:nvSpPr>
+        <p:spPr>
+          <a:xfrm>
+            <a:off x="2105637" y="2382473"/>
+            <a:ext cx="2818701" cy="646331"/>
+          </a:xfrm>
+          <a:prstGeom prst="rect">
+            <a:avLst/>
+          </a:prstGeom>
+          <a:noFill/>
+        </p:spPr>
+        <p:txBody>
+          <a:bodyPr wrap="square" rtlCol="0">
+            <a:spAutoFit/>
+          </a:bodyPr>
+          <a:lstStyle/>
+          <a:p>
+            <a:r>
+              <a:rPr lang="en-US" dirty="0" err="1"/>
+              <a:t>Explicar</a:t>
+            </a:r>
+            <a:r>
+              <a:rPr lang="en-US" dirty="0"/>
+              <a:t> </a:t>
+            </a:r>
+            <a:r>
+              <a:rPr lang="en-US" dirty="0" err="1"/>
+              <a:t>resultados</a:t>
+            </a:r>
+            <a:r>
+              <a:rPr lang="en-US" dirty="0"/>
+              <a:t> con las </a:t>
+            </a:r>
+            <a:r>
+              <a:rPr lang="en-US" dirty="0" err="1"/>
+              <a:t>graficas</a:t>
+            </a:r>
+            <a:r>
+              <a:rPr lang="en-US" dirty="0"/>
+              <a:t> </a:t>
+            </a:r>
+          </a:p>
+        </p:txBody>
+      </p:sp>
+    </p:spTree>
+    <p:extLst>
+      <p:ext uri="{BB962C8B-B14F-4D97-AF65-F5344CB8AC3E}">
+        <p14:creationId xmlns:p14="http://schemas.microsoft.com/office/powerpoint/2010/main" val="139530594"/>
+      </p:ext>
+    </p:extLst>
+  </p:cSld>
+  <p:clrMapOvr>
+    <a:masterClrMapping/>
+  </p:clrMapOvr>
+</p:sld>
+</file>
+
+<file path=ppt/slides/slide18.xml><?xml version="1.0" encoding="utf-8"?>
+<p:sld xmlns:a="http://schemas.openxmlformats.org/drawingml/2006/main" xmlns:r="http://schemas.openxmlformats.org/officeDocument/2006/relationships" xmlns:p="http://schemas.openxmlformats.org/presentationml/2006/main" showMasterSp="0">
+  <p:cSld>
+    <p:bg>
+      <p:bgPr>
+        <a:solidFill>
+          <a:schemeClr val="accent1">
+            <a:lumMod val="50000"/>
+          </a:schemeClr>
+        </a:solidFill>
+        <a:effectLst/>
+      </p:bgPr>
+    </p:bg>
+    <p:spTree>
+      <p:nvGrpSpPr>
+        <p:cNvPr id="1" name=""/>
+        <p:cNvGrpSpPr/>
+        <p:nvPr/>
+      </p:nvGrpSpPr>
+      <p:grpSpPr>
+        <a:xfrm>
+          <a:off x="0" y="0"/>
+          <a:ext cx="0" cy="0"/>
+          <a:chOff x="0" y="0"/>
+          <a:chExt cx="0" cy="0"/>
+        </a:xfrm>
+      </p:grpSpPr>
+      <p:sp>
+        <p:nvSpPr>
+          <p:cNvPr id="3" name="Subtítulo 2"/>
+          <p:cNvSpPr>
+            <a:spLocks noGrp="1"/>
+          </p:cNvSpPr>
+          <p:nvPr>
+            <p:ph type="subTitle" idx="1"/>
+          </p:nvPr>
+        </p:nvSpPr>
+        <p:spPr>
+          <a:xfrm>
+            <a:off x="0" y="318249"/>
+            <a:ext cx="12192000" cy="850151"/>
+          </a:xfrm>
+        </p:spPr>
+        <p:txBody>
+          <a:bodyPr>
+            <a:noAutofit/>
+          </a:bodyPr>
+          <a:lstStyle/>
+          <a:p>
+            <a:pPr algn="ctr">
+              <a:lnSpc>
+                <a:spcPct val="150000"/>
+              </a:lnSpc>
+            </a:pPr>
+            <a:r>
+              <a:rPr lang="en-US" sz="3600" b="1" dirty="0"/>
+              <a:t>Results: Second user testing</a:t>
+            </a:r>
+          </a:p>
+        </p:txBody>
+      </p:sp>
+      <p:sp>
+        <p:nvSpPr>
+          <p:cNvPr id="9" name="Rectángulo 8"/>
+          <p:cNvSpPr/>
+          <p:nvPr/>
+        </p:nvSpPr>
+        <p:spPr>
+          <a:xfrm>
+            <a:off x="0" y="1270001"/>
+            <a:ext cx="12192000" cy="5588001"/>
+          </a:xfrm>
+          <a:prstGeom prst="rect">
+            <a:avLst/>
+          </a:prstGeom>
+          <a:solidFill>
+            <a:schemeClr val="bg1"/>
+          </a:solidFill>
+          <a:ln>
+            <a:noFill/>
+          </a:ln>
+        </p:spPr>
+        <p:style>
+          <a:lnRef idx="2">
+            <a:schemeClr val="accent1">
+              <a:shade val="50000"/>
+            </a:schemeClr>
+          </a:lnRef>
+          <a:fillRef idx="1">
+            <a:schemeClr val="accent1"/>
+          </a:fillRef>
+          <a:effectRef idx="0">
+            <a:schemeClr val="accent1"/>
+          </a:effectRef>
+          <a:fontRef idx="minor">
+            <a:schemeClr val="lt1"/>
+          </a:fontRef>
+        </p:style>
+        <p:txBody>
+          <a:bodyPr rtlCol="0" anchor="ctr"/>
+          <a:lstStyle/>
+          <a:p>
+            <a:pPr algn="ctr"/>
+            <a:endParaRPr lang="en-US" dirty="0"/>
+          </a:p>
+        </p:txBody>
+      </p:sp>
+      <p:sp>
+        <p:nvSpPr>
+          <p:cNvPr id="2" name="CuadroTexto 1">
+            <a:extLst>
+              <a:ext uri="{FF2B5EF4-FFF2-40B4-BE49-F238E27FC236}">
+                <a16:creationId xmlns:a16="http://schemas.microsoft.com/office/drawing/2014/main" id="{D1434DF4-C615-4828-A34D-F1F61D44903B}"/>
+              </a:ext>
+            </a:extLst>
+          </p:cNvPr>
+          <p:cNvSpPr txBox="1"/>
+          <p:nvPr/>
+        </p:nvSpPr>
+        <p:spPr>
+          <a:xfrm>
+            <a:off x="2105637" y="2382473"/>
+            <a:ext cx="2818701" cy="923330"/>
+          </a:xfrm>
+          <a:prstGeom prst="rect">
+            <a:avLst/>
+          </a:prstGeom>
+          <a:noFill/>
+        </p:spPr>
+        <p:txBody>
+          <a:bodyPr wrap="square" rtlCol="0">
+            <a:spAutoFit/>
+          </a:bodyPr>
+          <a:lstStyle/>
+          <a:p>
+            <a:r>
+              <a:rPr lang="en-US" dirty="0" err="1"/>
+              <a:t>Explicar</a:t>
+            </a:r>
+            <a:r>
+              <a:rPr lang="en-US" dirty="0"/>
+              <a:t> opinion de </a:t>
+            </a:r>
+            <a:r>
+              <a:rPr lang="en-US" dirty="0" err="1"/>
+              <a:t>los</a:t>
+            </a:r>
+            <a:r>
+              <a:rPr lang="en-US" dirty="0"/>
+              <a:t> </a:t>
+            </a:r>
+            <a:r>
+              <a:rPr lang="en-US" dirty="0" err="1"/>
+              <a:t>usuarios</a:t>
+            </a:r>
+            <a:r>
+              <a:rPr lang="en-US" dirty="0"/>
+              <a:t> </a:t>
+            </a:r>
+            <a:r>
+              <a:rPr lang="en-US" dirty="0" err="1"/>
+              <a:t>sobre</a:t>
+            </a:r>
+            <a:r>
+              <a:rPr lang="en-US" dirty="0"/>
+              <a:t> el </a:t>
+            </a:r>
+            <a:r>
+              <a:rPr lang="en-US" dirty="0" err="1"/>
+              <a:t>modo</a:t>
+            </a:r>
+            <a:r>
+              <a:rPr lang="en-US" dirty="0"/>
+              <a:t> </a:t>
+            </a:r>
+            <a:r>
+              <a:rPr lang="en-US" dirty="0" err="1"/>
+              <a:t>dinamico</a:t>
+            </a:r>
+            <a:endParaRPr lang="en-US" dirty="0"/>
+          </a:p>
+        </p:txBody>
+      </p:sp>
+    </p:spTree>
+    <p:extLst>
+      <p:ext uri="{BB962C8B-B14F-4D97-AF65-F5344CB8AC3E}">
+        <p14:creationId xmlns:p14="http://schemas.microsoft.com/office/powerpoint/2010/main" val="604609158"/>
+      </p:ext>
+    </p:extLst>
+  </p:cSld>
+  <p:clrMapOvr>
+    <a:masterClrMapping/>
+  </p:clrMapOvr>
+</p:sld>
+</file>
+
+<file path=ppt/slides/slide19.xml><?xml version="1.0" encoding="utf-8"?>
+<p:sld xmlns:a="http://schemas.openxmlformats.org/drawingml/2006/main" xmlns:r="http://schemas.openxmlformats.org/officeDocument/2006/relationships" xmlns:p="http://schemas.openxmlformats.org/presentationml/2006/main" showMasterSp="0">
+  <p:cSld>
+    <p:bg>
+      <p:bgPr>
+        <a:solidFill>
+          <a:schemeClr val="accent1">
+            <a:lumMod val="50000"/>
+          </a:schemeClr>
+        </a:solidFill>
+        <a:effectLst/>
+      </p:bgPr>
+    </p:bg>
+    <p:spTree>
+      <p:nvGrpSpPr>
+        <p:cNvPr id="1" name=""/>
+        <p:cNvGrpSpPr/>
+        <p:nvPr/>
+      </p:nvGrpSpPr>
+      <p:grpSpPr>
+        <a:xfrm>
+          <a:off x="0" y="0"/>
+          <a:ext cx="0" cy="0"/>
+          <a:chOff x="0" y="0"/>
+          <a:chExt cx="0" cy="0"/>
+        </a:xfrm>
+      </p:grpSpPr>
+      <p:sp>
+        <p:nvSpPr>
+          <p:cNvPr id="3" name="Subtítulo 2"/>
+          <p:cNvSpPr>
+            <a:spLocks noGrp="1"/>
+          </p:cNvSpPr>
+          <p:nvPr>
+            <p:ph type="subTitle" idx="1"/>
+          </p:nvPr>
+        </p:nvSpPr>
+        <p:spPr>
+          <a:xfrm>
+            <a:off x="0" y="318249"/>
+            <a:ext cx="12192000" cy="850151"/>
+          </a:xfrm>
+        </p:spPr>
+        <p:txBody>
+          <a:bodyPr>
+            <a:noAutofit/>
+          </a:bodyPr>
+          <a:lstStyle/>
+          <a:p>
+            <a:pPr algn="ctr">
+              <a:lnSpc>
+                <a:spcPct val="150000"/>
+              </a:lnSpc>
+            </a:pPr>
+            <a:r>
+              <a:rPr lang="en-US" sz="3600" b="1" dirty="0"/>
+              <a:t>Conclusions</a:t>
+            </a:r>
+          </a:p>
+        </p:txBody>
+      </p:sp>
+      <p:sp>
+        <p:nvSpPr>
+          <p:cNvPr id="9" name="Rectángulo 8"/>
+          <p:cNvSpPr/>
+          <p:nvPr/>
+        </p:nvSpPr>
+        <p:spPr>
+          <a:xfrm>
+            <a:off x="0" y="1270001"/>
+            <a:ext cx="12192000" cy="5588001"/>
+          </a:xfrm>
+          <a:prstGeom prst="rect">
+            <a:avLst/>
+          </a:prstGeom>
+          <a:solidFill>
+            <a:schemeClr val="bg1"/>
+          </a:solidFill>
+          <a:ln>
+            <a:noFill/>
+          </a:ln>
+        </p:spPr>
+        <p:style>
+          <a:lnRef idx="2">
+            <a:schemeClr val="accent1">
+              <a:shade val="50000"/>
+            </a:schemeClr>
+          </a:lnRef>
+          <a:fillRef idx="1">
+            <a:schemeClr val="accent1"/>
+          </a:fillRef>
+          <a:effectRef idx="0">
+            <a:schemeClr val="accent1"/>
+          </a:effectRef>
+          <a:fontRef idx="minor">
+            <a:schemeClr val="lt1"/>
+          </a:fontRef>
+        </p:style>
+        <p:txBody>
+          <a:bodyPr rtlCol="0" anchor="ctr"/>
+          <a:lstStyle/>
+          <a:p>
+            <a:pPr algn="ctr"/>
+            <a:endParaRPr lang="en-US" dirty="0"/>
+          </a:p>
+        </p:txBody>
+      </p:sp>
+      <p:sp>
+        <p:nvSpPr>
+          <p:cNvPr id="2" name="CuadroTexto 1">
+            <a:extLst>
+              <a:ext uri="{FF2B5EF4-FFF2-40B4-BE49-F238E27FC236}">
+                <a16:creationId xmlns:a16="http://schemas.microsoft.com/office/drawing/2014/main" id="{B01E8B0C-B795-4DEC-882B-996CC585AD55}"/>
+              </a:ext>
+            </a:extLst>
+          </p:cNvPr>
+          <p:cNvSpPr txBox="1"/>
+          <p:nvPr/>
+        </p:nvSpPr>
+        <p:spPr>
+          <a:xfrm>
+            <a:off x="2197916" y="2525086"/>
+            <a:ext cx="3254928" cy="1200329"/>
+          </a:xfrm>
+          <a:prstGeom prst="rect">
+            <a:avLst/>
+          </a:prstGeom>
+          <a:noFill/>
+        </p:spPr>
+        <p:txBody>
+          <a:bodyPr wrap="square" rtlCol="0">
+            <a:spAutoFit/>
+          </a:bodyPr>
+          <a:lstStyle/>
+          <a:p>
+            <a:r>
+              <a:rPr lang="en-US" dirty="0" err="1"/>
+              <a:t>Poner</a:t>
+            </a:r>
+            <a:r>
+              <a:rPr lang="en-US" dirty="0"/>
+              <a:t> conclusions </a:t>
+            </a:r>
+            <a:r>
+              <a:rPr lang="en-US" dirty="0" err="1"/>
+              <a:t>en</a:t>
+            </a:r>
+            <a:r>
+              <a:rPr lang="en-US" dirty="0"/>
+              <a:t> forma de </a:t>
+            </a:r>
+            <a:r>
+              <a:rPr lang="en-US" dirty="0" err="1"/>
+              <a:t>lista</a:t>
+            </a:r>
+            <a:r>
+              <a:rPr lang="en-US" dirty="0"/>
+              <a:t> ? </a:t>
+            </a:r>
+            <a:r>
+              <a:rPr lang="en-US" dirty="0" err="1"/>
+              <a:t>Alguna</a:t>
+            </a:r>
+            <a:r>
+              <a:rPr lang="en-US" dirty="0"/>
+              <a:t> idea major? </a:t>
+            </a:r>
+            <a:r>
+              <a:rPr lang="en-US" dirty="0" err="1"/>
+              <a:t>Quizas</a:t>
+            </a:r>
+            <a:r>
+              <a:rPr lang="en-US" dirty="0"/>
+              <a:t> </a:t>
+            </a:r>
+            <a:r>
+              <a:rPr lang="en-US" dirty="0" err="1"/>
+              <a:t>una</a:t>
+            </a:r>
+            <a:r>
+              <a:rPr lang="en-US" dirty="0"/>
+              <a:t> </a:t>
+            </a:r>
+            <a:r>
+              <a:rPr lang="en-US" dirty="0" err="1"/>
+              <a:t>foto</a:t>
+            </a:r>
+            <a:r>
+              <a:rPr lang="en-US" dirty="0"/>
+              <a:t> representative de </a:t>
+            </a:r>
+            <a:r>
+              <a:rPr lang="en-US" dirty="0" err="1"/>
+              <a:t>cada</a:t>
+            </a:r>
+            <a:r>
+              <a:rPr lang="en-US" dirty="0"/>
+              <a:t> </a:t>
+            </a:r>
+            <a:r>
+              <a:rPr lang="en-US" dirty="0" err="1"/>
+              <a:t>parte</a:t>
+            </a:r>
+            <a:r>
+              <a:rPr lang="en-US" dirty="0"/>
+              <a:t>?</a:t>
+            </a:r>
           </a:p>
         </p:txBody>
       </p:sp>
@@ -4176,10 +6295,600 @@
           </a:p>
         </p:txBody>
       </p:sp>
+      <p:sp>
+        <p:nvSpPr>
+          <p:cNvPr id="2" name="CuadroTexto 1">
+            <a:extLst>
+              <a:ext uri="{FF2B5EF4-FFF2-40B4-BE49-F238E27FC236}">
+                <a16:creationId xmlns:a16="http://schemas.microsoft.com/office/drawing/2014/main" id="{94A73B64-7B62-4105-A992-C547CA52164F}"/>
+              </a:ext>
+            </a:extLst>
+          </p:cNvPr>
+          <p:cNvSpPr txBox="1"/>
+          <p:nvPr/>
+        </p:nvSpPr>
+        <p:spPr>
+          <a:xfrm>
+            <a:off x="755008" y="1946246"/>
+            <a:ext cx="7516537" cy="2308324"/>
+          </a:xfrm>
+          <a:prstGeom prst="rect">
+            <a:avLst/>
+          </a:prstGeom>
+          <a:noFill/>
+        </p:spPr>
+        <p:txBody>
+          <a:bodyPr wrap="square" rtlCol="0">
+            <a:spAutoFit/>
+          </a:bodyPr>
+          <a:lstStyle/>
+          <a:p>
+            <a:r>
+              <a:rPr lang="en-US" dirty="0" err="1"/>
+              <a:t>Tipos</a:t>
+            </a:r>
+            <a:r>
+              <a:rPr lang="en-US" dirty="0"/>
+              <a:t> de </a:t>
+            </a:r>
+            <a:r>
+              <a:rPr lang="en-US" dirty="0" err="1"/>
+              <a:t>dispositivos</a:t>
+            </a:r>
+            <a:endParaRPr lang="en-US" dirty="0"/>
+          </a:p>
+          <a:p>
+            <a:pPr marL="285750" indent="-285750">
+              <a:buFontTx/>
+              <a:buChar char="-"/>
+            </a:pPr>
+            <a:r>
+              <a:rPr lang="en-US" dirty="0" err="1"/>
+              <a:t>Foto</a:t>
+            </a:r>
+            <a:r>
+              <a:rPr lang="en-US" dirty="0"/>
+              <a:t> de </a:t>
+            </a:r>
+            <a:r>
+              <a:rPr lang="en-US" dirty="0" err="1"/>
+              <a:t>hololens</a:t>
+            </a:r>
+            <a:r>
+              <a:rPr lang="en-US" dirty="0"/>
+              <a:t> </a:t>
+            </a:r>
+          </a:p>
+          <a:p>
+            <a:pPr marL="285750" indent="-285750">
+              <a:buFontTx/>
+              <a:buChar char="-"/>
+            </a:pPr>
+            <a:r>
+              <a:rPr lang="en-US" dirty="0" err="1"/>
+              <a:t>Foto</a:t>
+            </a:r>
+            <a:r>
+              <a:rPr lang="en-US" dirty="0"/>
+              <a:t> de oculus</a:t>
+            </a:r>
+          </a:p>
+          <a:p>
+            <a:pPr marL="285750" indent="-285750">
+              <a:buFontTx/>
+              <a:buChar char="-"/>
+            </a:pPr>
+            <a:r>
+              <a:rPr lang="en-US" dirty="0" err="1"/>
+              <a:t>Foto</a:t>
+            </a:r>
+            <a:r>
+              <a:rPr lang="en-US" dirty="0"/>
+              <a:t> del </a:t>
+            </a:r>
+            <a:r>
+              <a:rPr lang="en-US" dirty="0" err="1"/>
+              <a:t>prototipo</a:t>
+            </a:r>
+            <a:r>
+              <a:rPr lang="en-US" dirty="0"/>
+              <a:t> - &gt; </a:t>
+            </a:r>
+            <a:r>
+              <a:rPr lang="en-US" dirty="0" err="1"/>
+              <a:t>motivacion</a:t>
+            </a:r>
+            <a:r>
+              <a:rPr lang="en-US" dirty="0"/>
+              <a:t> </a:t>
+            </a:r>
+            <a:r>
+              <a:rPr lang="en-US" dirty="0" err="1"/>
+              <a:t>practicas</a:t>
+            </a:r>
+            <a:r>
+              <a:rPr lang="en-US" dirty="0"/>
+              <a:t> de Verano, </a:t>
+            </a:r>
+            <a:r>
+              <a:rPr lang="en-US" dirty="0" err="1"/>
+              <a:t>en</a:t>
+            </a:r>
+            <a:r>
+              <a:rPr lang="en-US" dirty="0"/>
+              <a:t> </a:t>
+            </a:r>
+            <a:r>
+              <a:rPr lang="en-US" dirty="0" err="1"/>
+              <a:t>una</a:t>
+            </a:r>
+            <a:r>
+              <a:rPr lang="en-US" dirty="0"/>
+              <a:t> de las </a:t>
+            </a:r>
+            <a:r>
+              <a:rPr lang="en-US" dirty="0" err="1"/>
+              <a:t>pruebas</a:t>
+            </a:r>
+            <a:r>
+              <a:rPr lang="en-US" dirty="0"/>
+              <a:t> con </a:t>
+            </a:r>
+            <a:r>
+              <a:rPr lang="en-US" dirty="0" err="1"/>
+              <a:t>usuarios</a:t>
+            </a:r>
+            <a:r>
+              <a:rPr lang="en-US" dirty="0"/>
+              <a:t> </a:t>
+            </a:r>
+            <a:r>
+              <a:rPr lang="en-US" dirty="0" err="1"/>
+              <a:t>nos</a:t>
+            </a:r>
+            <a:r>
+              <a:rPr lang="en-US" dirty="0"/>
+              <a:t> </a:t>
+            </a:r>
+            <a:r>
+              <a:rPr lang="en-US" dirty="0" err="1"/>
+              <a:t>dimos</a:t>
+            </a:r>
+            <a:r>
+              <a:rPr lang="en-US" dirty="0"/>
+              <a:t> </a:t>
+            </a:r>
+            <a:r>
+              <a:rPr lang="en-US" dirty="0" err="1"/>
+              <a:t>cuenta</a:t>
+            </a:r>
+            <a:r>
+              <a:rPr lang="en-US" dirty="0"/>
+              <a:t> ….. </a:t>
+            </a:r>
+            <a:r>
+              <a:rPr lang="en-US" dirty="0" err="1"/>
+              <a:t>Foto</a:t>
+            </a:r>
+            <a:r>
+              <a:rPr lang="en-US" dirty="0"/>
+              <a:t> </a:t>
+            </a:r>
+            <a:r>
+              <a:rPr lang="en-US" dirty="0" err="1"/>
+              <a:t>prototipo</a:t>
+            </a:r>
+            <a:r>
+              <a:rPr lang="en-US" dirty="0"/>
+              <a:t> original? </a:t>
+            </a:r>
+            <a:r>
+              <a:rPr lang="en-US" dirty="0" err="1"/>
+              <a:t>Otra</a:t>
+            </a:r>
+            <a:r>
+              <a:rPr lang="en-US" dirty="0"/>
+              <a:t> </a:t>
+            </a:r>
+            <a:r>
+              <a:rPr lang="en-US" dirty="0" err="1"/>
+              <a:t>diapo</a:t>
+            </a:r>
+            <a:r>
+              <a:rPr lang="en-US" dirty="0"/>
+              <a:t> para </a:t>
+            </a:r>
+            <a:r>
+              <a:rPr lang="en-US" dirty="0" err="1"/>
+              <a:t>explicarlo</a:t>
+            </a:r>
+            <a:r>
+              <a:rPr lang="en-US" dirty="0"/>
+              <a:t>?</a:t>
+            </a:r>
+          </a:p>
+          <a:p>
+            <a:pPr marL="285750" indent="-285750">
+              <a:buFontTx/>
+              <a:buChar char="-"/>
+            </a:pPr>
+            <a:r>
+              <a:rPr lang="en-US" dirty="0" err="1"/>
+              <a:t>Algun</a:t>
+            </a:r>
+            <a:r>
+              <a:rPr lang="en-US" dirty="0"/>
+              <a:t> </a:t>
+            </a:r>
+            <a:r>
+              <a:rPr lang="en-US" dirty="0" err="1"/>
+              <a:t>esquema</a:t>
+            </a:r>
+            <a:r>
+              <a:rPr lang="en-US" dirty="0"/>
+              <a:t>? De head mounted display</a:t>
+            </a:r>
+          </a:p>
+          <a:p>
+            <a:pPr marL="285750" indent="-285750">
+              <a:buFontTx/>
+              <a:buChar char="-"/>
+            </a:pPr>
+            <a:endParaRPr lang="en-US" dirty="0"/>
+          </a:p>
+        </p:txBody>
+      </p:sp>
     </p:spTree>
     <p:extLst>
       <p:ext uri="{BB962C8B-B14F-4D97-AF65-F5344CB8AC3E}">
         <p14:creationId xmlns:p14="http://schemas.microsoft.com/office/powerpoint/2010/main" val="2944379551"/>
+      </p:ext>
+    </p:extLst>
+  </p:cSld>
+  <p:clrMapOvr>
+    <a:masterClrMapping/>
+  </p:clrMapOvr>
+</p:sld>
+</file>
+
+<file path=ppt/slides/slide20.xml><?xml version="1.0" encoding="utf-8"?>
+<p:sld xmlns:a="http://schemas.openxmlformats.org/drawingml/2006/main" xmlns:r="http://schemas.openxmlformats.org/officeDocument/2006/relationships" xmlns:p="http://schemas.openxmlformats.org/presentationml/2006/main" showMasterSp="0">
+  <p:cSld>
+    <p:bg>
+      <p:bgPr>
+        <a:solidFill>
+          <a:schemeClr val="accent1">
+            <a:lumMod val="50000"/>
+          </a:schemeClr>
+        </a:solidFill>
+        <a:effectLst/>
+      </p:bgPr>
+    </p:bg>
+    <p:spTree>
+      <p:nvGrpSpPr>
+        <p:cNvPr id="1" name=""/>
+        <p:cNvGrpSpPr/>
+        <p:nvPr/>
+      </p:nvGrpSpPr>
+      <p:grpSpPr>
+        <a:xfrm>
+          <a:off x="0" y="0"/>
+          <a:ext cx="0" cy="0"/>
+          <a:chOff x="0" y="0"/>
+          <a:chExt cx="0" cy="0"/>
+        </a:xfrm>
+      </p:grpSpPr>
+      <p:sp>
+        <p:nvSpPr>
+          <p:cNvPr id="3" name="Subtítulo 2"/>
+          <p:cNvSpPr>
+            <a:spLocks noGrp="1"/>
+          </p:cNvSpPr>
+          <p:nvPr>
+            <p:ph type="subTitle" idx="1"/>
+          </p:nvPr>
+        </p:nvSpPr>
+        <p:spPr>
+          <a:xfrm>
+            <a:off x="0" y="318249"/>
+            <a:ext cx="12192000" cy="850151"/>
+          </a:xfrm>
+        </p:spPr>
+        <p:txBody>
+          <a:bodyPr>
+            <a:noAutofit/>
+          </a:bodyPr>
+          <a:lstStyle/>
+          <a:p>
+            <a:pPr algn="ctr">
+              <a:lnSpc>
+                <a:spcPct val="150000"/>
+              </a:lnSpc>
+            </a:pPr>
+            <a:r>
+              <a:rPr lang="en-US" sz="3600" b="1" dirty="0"/>
+              <a:t>Future work</a:t>
+            </a:r>
+          </a:p>
+        </p:txBody>
+      </p:sp>
+      <p:sp>
+        <p:nvSpPr>
+          <p:cNvPr id="9" name="Rectángulo 8"/>
+          <p:cNvSpPr/>
+          <p:nvPr/>
+        </p:nvSpPr>
+        <p:spPr>
+          <a:xfrm>
+            <a:off x="0" y="1270001"/>
+            <a:ext cx="12192000" cy="5588001"/>
+          </a:xfrm>
+          <a:prstGeom prst="rect">
+            <a:avLst/>
+          </a:prstGeom>
+          <a:solidFill>
+            <a:schemeClr val="bg1"/>
+          </a:solidFill>
+          <a:ln>
+            <a:noFill/>
+          </a:ln>
+        </p:spPr>
+        <p:style>
+          <a:lnRef idx="2">
+            <a:schemeClr val="accent1">
+              <a:shade val="50000"/>
+            </a:schemeClr>
+          </a:lnRef>
+          <a:fillRef idx="1">
+            <a:schemeClr val="accent1"/>
+          </a:fillRef>
+          <a:effectRef idx="0">
+            <a:schemeClr val="accent1"/>
+          </a:effectRef>
+          <a:fontRef idx="minor">
+            <a:schemeClr val="lt1"/>
+          </a:fontRef>
+        </p:style>
+        <p:txBody>
+          <a:bodyPr rtlCol="0" anchor="ctr"/>
+          <a:lstStyle/>
+          <a:p>
+            <a:pPr algn="ctr"/>
+            <a:endParaRPr lang="en-US" dirty="0"/>
+          </a:p>
+        </p:txBody>
+      </p:sp>
+      <p:sp>
+        <p:nvSpPr>
+          <p:cNvPr id="2" name="CuadroTexto 1">
+            <a:extLst>
+              <a:ext uri="{FF2B5EF4-FFF2-40B4-BE49-F238E27FC236}">
+                <a16:creationId xmlns:a16="http://schemas.microsoft.com/office/drawing/2014/main" id="{ED480EB1-082A-42B4-ADFC-DB4AB624AA79}"/>
+              </a:ext>
+            </a:extLst>
+          </p:cNvPr>
+          <p:cNvSpPr txBox="1"/>
+          <p:nvPr/>
+        </p:nvSpPr>
+        <p:spPr>
+          <a:xfrm>
+            <a:off x="1652631" y="2659310"/>
+            <a:ext cx="4957894" cy="646331"/>
+          </a:xfrm>
+          <a:prstGeom prst="rect">
+            <a:avLst/>
+          </a:prstGeom>
+          <a:noFill/>
+        </p:spPr>
+        <p:txBody>
+          <a:bodyPr wrap="square" rtlCol="0">
+            <a:spAutoFit/>
+          </a:bodyPr>
+          <a:lstStyle/>
+          <a:p>
+            <a:r>
+              <a:rPr lang="en-US" dirty="0" err="1"/>
+              <a:t>Poner</a:t>
+            </a:r>
+            <a:r>
+              <a:rPr lang="en-US" dirty="0"/>
+              <a:t> </a:t>
+            </a:r>
+            <a:r>
+              <a:rPr lang="en-US" dirty="0" err="1"/>
+              <a:t>imagenes</a:t>
+            </a:r>
+            <a:r>
+              <a:rPr lang="en-US" dirty="0"/>
+              <a:t> </a:t>
+            </a:r>
+            <a:r>
+              <a:rPr lang="en-US" dirty="0" err="1"/>
+              <a:t>representativas</a:t>
+            </a:r>
+            <a:r>
+              <a:rPr lang="en-US" dirty="0"/>
+              <a:t> de </a:t>
+            </a:r>
+            <a:r>
+              <a:rPr lang="en-US" dirty="0" err="1"/>
+              <a:t>cada</a:t>
+            </a:r>
+            <a:r>
+              <a:rPr lang="en-US" dirty="0"/>
+              <a:t> </a:t>
+            </a:r>
+            <a:r>
+              <a:rPr lang="en-US" dirty="0" err="1"/>
+              <a:t>una</a:t>
+            </a:r>
+            <a:r>
+              <a:rPr lang="en-US" dirty="0"/>
+              <a:t> de las ideas !</a:t>
+            </a:r>
+          </a:p>
+        </p:txBody>
+      </p:sp>
+    </p:spTree>
+    <p:extLst>
+      <p:ext uri="{BB962C8B-B14F-4D97-AF65-F5344CB8AC3E}">
+        <p14:creationId xmlns:p14="http://schemas.microsoft.com/office/powerpoint/2010/main" val="2005028918"/>
+      </p:ext>
+    </p:extLst>
+  </p:cSld>
+  <p:clrMapOvr>
+    <a:masterClrMapping/>
+  </p:clrMapOvr>
+</p:sld>
+</file>
+
+<file path=ppt/slides/slide21.xml><?xml version="1.0" encoding="utf-8"?>
+<p:sld xmlns:a="http://schemas.openxmlformats.org/drawingml/2006/main" xmlns:r="http://schemas.openxmlformats.org/officeDocument/2006/relationships" xmlns:p="http://schemas.openxmlformats.org/presentationml/2006/main" showMasterSp="0">
+  <p:cSld>
+    <p:bg>
+      <p:bgPr>
+        <a:solidFill>
+          <a:schemeClr val="accent1">
+            <a:lumMod val="50000"/>
+          </a:schemeClr>
+        </a:solidFill>
+        <a:effectLst/>
+      </p:bgPr>
+    </p:bg>
+    <p:spTree>
+      <p:nvGrpSpPr>
+        <p:cNvPr id="1" name=""/>
+        <p:cNvGrpSpPr/>
+        <p:nvPr/>
+      </p:nvGrpSpPr>
+      <p:grpSpPr>
+        <a:xfrm>
+          <a:off x="0" y="0"/>
+          <a:ext cx="0" cy="0"/>
+          <a:chOff x="0" y="0"/>
+          <a:chExt cx="0" cy="0"/>
+        </a:xfrm>
+      </p:grpSpPr>
+      <p:sp>
+        <p:nvSpPr>
+          <p:cNvPr id="3" name="Subtítulo 2"/>
+          <p:cNvSpPr>
+            <a:spLocks noGrp="1"/>
+          </p:cNvSpPr>
+          <p:nvPr>
+            <p:ph type="subTitle" idx="1"/>
+          </p:nvPr>
+        </p:nvSpPr>
+        <p:spPr>
+          <a:xfrm>
+            <a:off x="0" y="318249"/>
+            <a:ext cx="12192000" cy="850151"/>
+          </a:xfrm>
+        </p:spPr>
+        <p:txBody>
+          <a:bodyPr>
+            <a:noAutofit/>
+          </a:bodyPr>
+          <a:lstStyle/>
+          <a:p>
+            <a:pPr algn="ctr">
+              <a:lnSpc>
+                <a:spcPct val="150000"/>
+              </a:lnSpc>
+            </a:pPr>
+            <a:r>
+              <a:rPr lang="en-US" sz="3600" b="1" dirty="0"/>
+              <a:t>Contact info</a:t>
+            </a:r>
+          </a:p>
+        </p:txBody>
+      </p:sp>
+      <p:sp>
+        <p:nvSpPr>
+          <p:cNvPr id="9" name="Rectángulo 8"/>
+          <p:cNvSpPr/>
+          <p:nvPr/>
+        </p:nvSpPr>
+        <p:spPr>
+          <a:xfrm>
+            <a:off x="0" y="1270001"/>
+            <a:ext cx="12192000" cy="5588001"/>
+          </a:xfrm>
+          <a:prstGeom prst="rect">
+            <a:avLst/>
+          </a:prstGeom>
+          <a:solidFill>
+            <a:schemeClr val="bg1"/>
+          </a:solidFill>
+          <a:ln>
+            <a:noFill/>
+          </a:ln>
+        </p:spPr>
+        <p:style>
+          <a:lnRef idx="2">
+            <a:schemeClr val="accent1">
+              <a:shade val="50000"/>
+            </a:schemeClr>
+          </a:lnRef>
+          <a:fillRef idx="1">
+            <a:schemeClr val="accent1"/>
+          </a:fillRef>
+          <a:effectRef idx="0">
+            <a:schemeClr val="accent1"/>
+          </a:effectRef>
+          <a:fontRef idx="minor">
+            <a:schemeClr val="lt1"/>
+          </a:fontRef>
+        </p:style>
+        <p:txBody>
+          <a:bodyPr rtlCol="0" anchor="ctr"/>
+          <a:lstStyle/>
+          <a:p>
+            <a:pPr algn="ctr"/>
+            <a:endParaRPr lang="en-US" dirty="0"/>
+          </a:p>
+        </p:txBody>
+      </p:sp>
+      <p:sp>
+        <p:nvSpPr>
+          <p:cNvPr id="2" name="CuadroTexto 1">
+            <a:extLst>
+              <a:ext uri="{FF2B5EF4-FFF2-40B4-BE49-F238E27FC236}">
+                <a16:creationId xmlns:a16="http://schemas.microsoft.com/office/drawing/2014/main" id="{ED480EB1-082A-42B4-ADFC-DB4AB624AA79}"/>
+              </a:ext>
+            </a:extLst>
+          </p:cNvPr>
+          <p:cNvSpPr txBox="1"/>
+          <p:nvPr/>
+        </p:nvSpPr>
+        <p:spPr>
+          <a:xfrm>
+            <a:off x="4194495" y="2751589"/>
+            <a:ext cx="3540155" cy="369332"/>
+          </a:xfrm>
+          <a:prstGeom prst="rect">
+            <a:avLst/>
+          </a:prstGeom>
+          <a:noFill/>
+        </p:spPr>
+        <p:txBody>
+          <a:bodyPr wrap="square" rtlCol="0">
+            <a:spAutoFit/>
+          </a:bodyPr>
+          <a:lstStyle/>
+          <a:p>
+            <a:r>
+              <a:rPr lang="es-ES" dirty="0"/>
+              <a:t>richard.segovia@e-campus.uab.cat</a:t>
+            </a:r>
+            <a:endParaRPr lang="en-US" dirty="0"/>
+          </a:p>
+        </p:txBody>
+      </p:sp>
+    </p:spTree>
+    <p:extLst>
+      <p:ext uri="{BB962C8B-B14F-4D97-AF65-F5344CB8AC3E}">
+        <p14:creationId xmlns:p14="http://schemas.microsoft.com/office/powerpoint/2010/main" val="1936370608"/>
       </p:ext>
     </p:extLst>
   </p:cSld>
@@ -4292,6 +7001,148 @@
           <a:lstStyle/>
           <a:p>
             <a:pPr algn="ctr"/>
+            <a:endParaRPr lang="en-US" dirty="0"/>
+          </a:p>
+        </p:txBody>
+      </p:sp>
+      <p:sp>
+        <p:nvSpPr>
+          <p:cNvPr id="2" name="CuadroTexto 1">
+            <a:extLst>
+              <a:ext uri="{FF2B5EF4-FFF2-40B4-BE49-F238E27FC236}">
+                <a16:creationId xmlns:a16="http://schemas.microsoft.com/office/drawing/2014/main" id="{62B75BEC-285F-450A-8A81-F3B64F44B8FE}"/>
+              </a:ext>
+            </a:extLst>
+          </p:cNvPr>
+          <p:cNvSpPr txBox="1"/>
+          <p:nvPr/>
+        </p:nvSpPr>
+        <p:spPr>
+          <a:xfrm>
+            <a:off x="385894" y="3187817"/>
+            <a:ext cx="4983060" cy="1200329"/>
+          </a:xfrm>
+          <a:prstGeom prst="rect">
+            <a:avLst/>
+          </a:prstGeom>
+          <a:noFill/>
+        </p:spPr>
+        <p:txBody>
+          <a:bodyPr wrap="square" rtlCol="0">
+            <a:spAutoFit/>
+          </a:bodyPr>
+          <a:lstStyle/>
+          <a:p>
+            <a:r>
+              <a:rPr lang="en-US" dirty="0"/>
+              <a:t>Dos </a:t>
+            </a:r>
+            <a:r>
+              <a:rPr lang="en-US" dirty="0" err="1"/>
+              <a:t>cosas</a:t>
+            </a:r>
+            <a:r>
+              <a:rPr lang="en-US" dirty="0"/>
+              <a:t>:</a:t>
+            </a:r>
+          </a:p>
+          <a:p>
+            <a:pPr marL="285750" indent="-285750">
+              <a:buFontTx/>
+              <a:buChar char="-"/>
+            </a:pPr>
+            <a:r>
+              <a:rPr lang="en-US" dirty="0" err="1"/>
+              <a:t>Tamaño</a:t>
+            </a:r>
+            <a:r>
+              <a:rPr lang="en-US" dirty="0"/>
+              <a:t> </a:t>
+            </a:r>
+          </a:p>
+          <a:p>
+            <a:pPr marL="285750" indent="-285750">
+              <a:buFontTx/>
+              <a:buChar char="-"/>
+            </a:pPr>
+            <a:r>
+              <a:rPr lang="en-US" dirty="0"/>
+              <a:t>Vergence </a:t>
+            </a:r>
+            <a:r>
+              <a:rPr lang="en-US" dirty="0" err="1"/>
+              <a:t>acomodance</a:t>
+            </a:r>
+            <a:endParaRPr lang="en-US" dirty="0"/>
+          </a:p>
+          <a:p>
+            <a:pPr marL="285750" indent="-285750">
+              <a:buFontTx/>
+              <a:buChar char="-"/>
+            </a:pPr>
+            <a:r>
+              <a:rPr lang="en-US" dirty="0" err="1"/>
+              <a:t>Diagrama</a:t>
+            </a:r>
+            <a:r>
+              <a:rPr lang="en-US" dirty="0"/>
+              <a:t> </a:t>
+            </a:r>
+            <a:r>
+              <a:rPr lang="en-US" dirty="0" err="1"/>
+              <a:t>guay</a:t>
+            </a:r>
+            <a:r>
+              <a:rPr lang="en-US" dirty="0"/>
+              <a:t> del paper</a:t>
+            </a:r>
+          </a:p>
+        </p:txBody>
+      </p:sp>
+      <p:sp>
+        <p:nvSpPr>
+          <p:cNvPr id="4" name="CuadroTexto 3">
+            <a:extLst>
+              <a:ext uri="{FF2B5EF4-FFF2-40B4-BE49-F238E27FC236}">
+                <a16:creationId xmlns:a16="http://schemas.microsoft.com/office/drawing/2014/main" id="{01D2F5B2-582A-4BB8-9615-9F0F6015B00F}"/>
+              </a:ext>
+            </a:extLst>
+          </p:cNvPr>
+          <p:cNvSpPr txBox="1"/>
+          <p:nvPr/>
+        </p:nvSpPr>
+        <p:spPr>
+          <a:xfrm>
+            <a:off x="385894" y="1674911"/>
+            <a:ext cx="1669410" cy="646331"/>
+          </a:xfrm>
+          <a:prstGeom prst="rect">
+            <a:avLst/>
+          </a:prstGeom>
+          <a:noFill/>
+        </p:spPr>
+        <p:txBody>
+          <a:bodyPr wrap="square" rtlCol="0">
+            <a:spAutoFit/>
+          </a:bodyPr>
+          <a:lstStyle/>
+          <a:p>
+            <a:r>
+              <a:rPr lang="en-US" dirty="0"/>
+              <a:t>1 </a:t>
+            </a:r>
+            <a:r>
+              <a:rPr lang="en-US" dirty="0" err="1"/>
+              <a:t>problema</a:t>
+            </a:r>
+            <a:r>
+              <a:rPr lang="en-US" dirty="0"/>
+              <a:t> dos </a:t>
+            </a:r>
+            <a:r>
+              <a:rPr lang="en-US" dirty="0" err="1"/>
+              <a:t>culpables</a:t>
+            </a:r>
             <a:endParaRPr lang="en-US" dirty="0"/>
           </a:p>
         </p:txBody>
@@ -4365,7 +7216,7 @@
             </a:pPr>
             <a:r>
               <a:rPr lang="en-US" sz="3600" b="1" dirty="0"/>
-              <a:t>Objectives</a:t>
+              <a:t>Vergence state of the art solutions</a:t>
             </a:r>
           </a:p>
         </p:txBody>
@@ -4416,10 +7267,105 @@
           </a:p>
         </p:txBody>
       </p:sp>
+      <p:sp>
+        <p:nvSpPr>
+          <p:cNvPr id="5" name="CuadroTexto 4">
+            <a:extLst>
+              <a:ext uri="{FF2B5EF4-FFF2-40B4-BE49-F238E27FC236}">
+                <a16:creationId xmlns:a16="http://schemas.microsoft.com/office/drawing/2014/main" id="{2D9E43FE-182F-4CDA-BF8A-AEDCA14424ED}"/>
+              </a:ext>
+            </a:extLst>
+          </p:cNvPr>
+          <p:cNvSpPr txBox="1"/>
+          <p:nvPr/>
+        </p:nvSpPr>
+        <p:spPr>
+          <a:xfrm>
+            <a:off x="1434516" y="2374084"/>
+            <a:ext cx="2869035" cy="923330"/>
+          </a:xfrm>
+          <a:prstGeom prst="rect">
+            <a:avLst/>
+          </a:prstGeom>
+          <a:noFill/>
+        </p:spPr>
+        <p:txBody>
+          <a:bodyPr wrap="square" rtlCol="0">
+            <a:spAutoFit/>
+          </a:bodyPr>
+          <a:lstStyle/>
+          <a:p>
+            <a:r>
+              <a:rPr lang="en-US" dirty="0" err="1"/>
+              <a:t>Poner</a:t>
+            </a:r>
+            <a:r>
+              <a:rPr lang="en-US" dirty="0"/>
+              <a:t> </a:t>
+            </a:r>
+            <a:r>
+              <a:rPr lang="en-US" dirty="0" err="1"/>
+              <a:t>una</a:t>
+            </a:r>
+            <a:r>
+              <a:rPr lang="en-US" dirty="0"/>
+              <a:t> imagen </a:t>
+            </a:r>
+            <a:r>
+              <a:rPr lang="en-US" dirty="0" err="1"/>
+              <a:t>por</a:t>
+            </a:r>
+            <a:r>
+              <a:rPr lang="en-US" dirty="0"/>
+              <a:t> </a:t>
+            </a:r>
+            <a:r>
+              <a:rPr lang="en-US" dirty="0" err="1"/>
+              <a:t>cada</a:t>
+            </a:r>
+            <a:r>
+              <a:rPr lang="en-US" dirty="0"/>
+              <a:t> </a:t>
+            </a:r>
+            <a:r>
+              <a:rPr lang="en-US" dirty="0" err="1"/>
+              <a:t>una</a:t>
+            </a:r>
+            <a:r>
+              <a:rPr lang="en-US" dirty="0"/>
+              <a:t>? Y </a:t>
+            </a:r>
+            <a:r>
+              <a:rPr lang="en-US" dirty="0" err="1"/>
+              <a:t>explicar</a:t>
+            </a:r>
+            <a:r>
+              <a:rPr lang="en-US" dirty="0"/>
+              <a:t> </a:t>
+            </a:r>
+            <a:r>
+              <a:rPr lang="en-US" dirty="0" err="1"/>
+              <a:t>por</a:t>
+            </a:r>
+            <a:r>
+              <a:rPr lang="en-US" dirty="0"/>
+              <a:t> </a:t>
+            </a:r>
+            <a:r>
+              <a:rPr lang="en-US" dirty="0" err="1"/>
+              <a:t>encima</a:t>
+            </a:r>
+            <a:endParaRPr lang="en-US" dirty="0"/>
+          </a:p>
+          <a:p>
+            <a:endParaRPr lang="en-US" dirty="0"/>
+          </a:p>
+        </p:txBody>
+      </p:sp>
     </p:spTree>
     <p:extLst>
       <p:ext uri="{BB962C8B-B14F-4D97-AF65-F5344CB8AC3E}">
-        <p14:creationId xmlns:p14="http://schemas.microsoft.com/office/powerpoint/2010/main" val="2269371073"/>
+        <p14:creationId xmlns:p14="http://schemas.microsoft.com/office/powerpoint/2010/main" val="3279109008"/>
       </p:ext>
     </p:extLst>
   </p:cSld>
@@ -4485,7 +7431,7 @@
             </a:pPr>
             <a:r>
               <a:rPr lang="en-US" sz="3600" b="1" dirty="0"/>
-              <a:t>Development: Calibration module</a:t>
+              <a:t>A solution</a:t>
             </a:r>
           </a:p>
         </p:txBody>
@@ -4536,10 +7482,137 @@
           </a:p>
         </p:txBody>
       </p:sp>
+      <p:sp>
+        <p:nvSpPr>
+          <p:cNvPr id="2" name="CuadroTexto 1">
+            <a:extLst>
+              <a:ext uri="{FF2B5EF4-FFF2-40B4-BE49-F238E27FC236}">
+                <a16:creationId xmlns:a16="http://schemas.microsoft.com/office/drawing/2014/main" id="{55215685-FF65-440A-A365-2F61671AE851}"/>
+              </a:ext>
+            </a:extLst>
+          </p:cNvPr>
+          <p:cNvSpPr txBox="1"/>
+          <p:nvPr/>
+        </p:nvSpPr>
+        <p:spPr>
+          <a:xfrm>
+            <a:off x="1585519" y="2743200"/>
+            <a:ext cx="4102217" cy="1200329"/>
+          </a:xfrm>
+          <a:prstGeom prst="rect">
+            <a:avLst/>
+          </a:prstGeom>
+          <a:noFill/>
+        </p:spPr>
+        <p:txBody>
+          <a:bodyPr wrap="square" rtlCol="0">
+            <a:spAutoFit/>
+          </a:bodyPr>
+          <a:lstStyle/>
+          <a:p>
+            <a:r>
+              <a:rPr lang="en-US" dirty="0" err="1"/>
+              <a:t>Explicar</a:t>
+            </a:r>
+            <a:r>
+              <a:rPr lang="en-US" dirty="0"/>
+              <a:t> lo que </a:t>
+            </a:r>
+            <a:r>
+              <a:rPr lang="en-US" dirty="0" err="1"/>
+              <a:t>queremos</a:t>
+            </a:r>
+            <a:r>
+              <a:rPr lang="en-US" dirty="0"/>
+              <a:t> </a:t>
+            </a:r>
+            <a:r>
+              <a:rPr lang="en-US" dirty="0" err="1"/>
+              <a:t>hacer</a:t>
+            </a:r>
+            <a:r>
+              <a:rPr lang="en-US" dirty="0"/>
+              <a:t>, </a:t>
+            </a:r>
+            <a:r>
+              <a:rPr lang="en-US" dirty="0" err="1"/>
+              <a:t>esquema</a:t>
+            </a:r>
+            <a:r>
+              <a:rPr lang="en-US" dirty="0"/>
+              <a:t> simple, </a:t>
+            </a:r>
+            <a:r>
+              <a:rPr lang="en-US" dirty="0" err="1"/>
+              <a:t>quizas</a:t>
+            </a:r>
+            <a:r>
+              <a:rPr lang="en-US" dirty="0"/>
+              <a:t> </a:t>
+            </a:r>
+            <a:r>
+              <a:rPr lang="en-US" dirty="0" err="1"/>
+              <a:t>es</a:t>
+            </a:r>
+            <a:r>
+              <a:rPr lang="en-US" dirty="0"/>
+              <a:t> </a:t>
+            </a:r>
+            <a:r>
+              <a:rPr lang="en-US" dirty="0" err="1"/>
+              <a:t>una</a:t>
+            </a:r>
+            <a:r>
+              <a:rPr lang="en-US" dirty="0"/>
+              <a:t> </a:t>
+            </a:r>
+            <a:r>
+              <a:rPr lang="en-US" dirty="0" err="1"/>
+              <a:t>continuacion</a:t>
+            </a:r>
+            <a:r>
+              <a:rPr lang="en-US" dirty="0"/>
+              <a:t> de </a:t>
+            </a:r>
+            <a:r>
+              <a:rPr lang="en-US" dirty="0" err="1"/>
+              <a:t>los</a:t>
+            </a:r>
+            <a:r>
+              <a:rPr lang="en-US" dirty="0"/>
+              <a:t> </a:t>
+            </a:r>
+            <a:r>
+              <a:rPr lang="en-US" dirty="0" err="1"/>
+              <a:t>objetivos</a:t>
+            </a:r>
+            <a:r>
+              <a:rPr lang="en-US" dirty="0"/>
+              <a:t> </a:t>
+            </a:r>
+            <a:r>
+              <a:rPr lang="en-US" dirty="0" err="1"/>
+              <a:t>pero</a:t>
+            </a:r>
+            <a:r>
+              <a:rPr lang="en-US" dirty="0"/>
+              <a:t> mas </a:t>
+            </a:r>
+            <a:r>
+              <a:rPr lang="en-US" dirty="0" err="1"/>
+              <a:t>especificado</a:t>
+            </a:r>
+            <a:endParaRPr lang="en-US" dirty="0"/>
+          </a:p>
+          <a:p>
+            <a:endParaRPr lang="en-US" dirty="0"/>
+          </a:p>
+        </p:txBody>
+      </p:sp>
     </p:spTree>
     <p:extLst>
       <p:ext uri="{BB962C8B-B14F-4D97-AF65-F5344CB8AC3E}">
-        <p14:creationId xmlns:p14="http://schemas.microsoft.com/office/powerpoint/2010/main" val="1168565310"/>
+        <p14:creationId xmlns:p14="http://schemas.microsoft.com/office/powerpoint/2010/main" val="1550560314"/>
       </p:ext>
     </p:extLst>
   </p:cSld>
@@ -4605,7 +7678,7 @@
             </a:pPr>
             <a:r>
               <a:rPr lang="en-US" sz="3600" b="1" dirty="0"/>
-              <a:t>Development: LIBELAS</a:t>
+              <a:t>Objectives</a:t>
             </a:r>
           </a:p>
         </p:txBody>
@@ -4656,10 +7729,98 @@
           </a:p>
         </p:txBody>
       </p:sp>
+      <p:sp>
+        <p:nvSpPr>
+          <p:cNvPr id="2" name="CuadroTexto 1">
+            <a:extLst>
+              <a:ext uri="{FF2B5EF4-FFF2-40B4-BE49-F238E27FC236}">
+                <a16:creationId xmlns:a16="http://schemas.microsoft.com/office/drawing/2014/main" id="{55215685-FF65-440A-A365-2F61671AE851}"/>
+              </a:ext>
+            </a:extLst>
+          </p:cNvPr>
+          <p:cNvSpPr txBox="1"/>
+          <p:nvPr/>
+        </p:nvSpPr>
+        <p:spPr>
+          <a:xfrm>
+            <a:off x="1585519" y="2743200"/>
+            <a:ext cx="2801923" cy="1754326"/>
+          </a:xfrm>
+          <a:prstGeom prst="rect">
+            <a:avLst/>
+          </a:prstGeom>
+          <a:noFill/>
+        </p:spPr>
+        <p:txBody>
+          <a:bodyPr wrap="square" rtlCol="0">
+            <a:spAutoFit/>
+          </a:bodyPr>
+          <a:lstStyle/>
+          <a:p>
+            <a:r>
+              <a:rPr lang="en-US" dirty="0"/>
+              <a:t>Por lo </a:t>
+            </a:r>
+            <a:r>
+              <a:rPr lang="en-US" dirty="0" err="1"/>
+              <a:t>tanto</a:t>
+            </a:r>
+            <a:r>
+              <a:rPr lang="en-US" dirty="0"/>
+              <a:t> </a:t>
+            </a:r>
+            <a:r>
+              <a:rPr lang="en-US" dirty="0" err="1"/>
+              <a:t>nuestros</a:t>
+            </a:r>
+            <a:r>
+              <a:rPr lang="en-US" dirty="0"/>
+              <a:t> </a:t>
+            </a:r>
+            <a:r>
+              <a:rPr lang="en-US" dirty="0" err="1"/>
+              <a:t>objetivos</a:t>
+            </a:r>
+            <a:r>
+              <a:rPr lang="en-US" dirty="0"/>
+              <a:t> </a:t>
+            </a:r>
+            <a:r>
+              <a:rPr lang="en-US" dirty="0" err="1"/>
+              <a:t>seran</a:t>
+            </a:r>
+            <a:r>
+              <a:rPr lang="en-US" dirty="0"/>
+              <a:t> </a:t>
+            </a:r>
+          </a:p>
+          <a:p>
+            <a:r>
+              <a:rPr lang="en-US" dirty="0"/>
+              <a:t>-pam</a:t>
+            </a:r>
+          </a:p>
+          <a:p>
+            <a:r>
+              <a:rPr lang="en-US" dirty="0"/>
+              <a:t>Pam </a:t>
+            </a:r>
+          </a:p>
+          <a:p>
+            <a:r>
+              <a:rPr lang="en-US" dirty="0"/>
+              <a:t>pam</a:t>
+            </a:r>
+          </a:p>
+          <a:p>
+            <a:endParaRPr lang="en-US" dirty="0"/>
+          </a:p>
+        </p:txBody>
+      </p:sp>
     </p:spTree>
     <p:extLst>
       <p:ext uri="{BB962C8B-B14F-4D97-AF65-F5344CB8AC3E}">
-        <p14:creationId xmlns:p14="http://schemas.microsoft.com/office/powerpoint/2010/main" val="1470351456"/>
+        <p14:creationId xmlns:p14="http://schemas.microsoft.com/office/powerpoint/2010/main" val="2269371073"/>
       </p:ext>
     </p:extLst>
   </p:cSld>
@@ -4725,7 +7886,7 @@
             </a:pPr>
             <a:r>
               <a:rPr lang="en-US" sz="3600" b="1" dirty="0"/>
-              <a:t>Development: Pipeline</a:t>
+              <a:t>Development: Tools used</a:t>
             </a:r>
           </a:p>
         </p:txBody>
@@ -4776,10 +7937,111 @@
           </a:p>
         </p:txBody>
       </p:sp>
+      <p:sp>
+        <p:nvSpPr>
+          <p:cNvPr id="2" name="CuadroTexto 1">
+            <a:extLst>
+              <a:ext uri="{FF2B5EF4-FFF2-40B4-BE49-F238E27FC236}">
+                <a16:creationId xmlns:a16="http://schemas.microsoft.com/office/drawing/2014/main" id="{55215685-FF65-440A-A365-2F61671AE851}"/>
+              </a:ext>
+            </a:extLst>
+          </p:cNvPr>
+          <p:cNvSpPr txBox="1"/>
+          <p:nvPr/>
+        </p:nvSpPr>
+        <p:spPr>
+          <a:xfrm>
+            <a:off x="1359016" y="2650921"/>
+            <a:ext cx="2801923" cy="2031325"/>
+          </a:xfrm>
+          <a:prstGeom prst="rect">
+            <a:avLst/>
+          </a:prstGeom>
+          <a:noFill/>
+        </p:spPr>
+        <p:txBody>
+          <a:bodyPr wrap="square" rtlCol="0">
+            <a:spAutoFit/>
+          </a:bodyPr>
+          <a:lstStyle/>
+          <a:p>
+            <a:r>
+              <a:rPr lang="en-US" dirty="0" err="1"/>
+              <a:t>Mejor</a:t>
+            </a:r>
+            <a:r>
+              <a:rPr lang="en-US" dirty="0"/>
+              <a:t> </a:t>
+            </a:r>
+            <a:r>
+              <a:rPr lang="en-US" dirty="0" err="1"/>
+              <a:t>Poner</a:t>
+            </a:r>
+            <a:r>
+              <a:rPr lang="en-US" dirty="0"/>
+              <a:t> logos ? </a:t>
+            </a:r>
+          </a:p>
+          <a:p>
+            <a:endParaRPr lang="en-US" dirty="0"/>
+          </a:p>
+          <a:p>
+            <a:pPr marL="285750" indent="-285750">
+              <a:buFontTx/>
+              <a:buChar char="-"/>
+            </a:pPr>
+            <a:r>
+              <a:rPr lang="en-US" dirty="0" err="1"/>
+              <a:t>Opencv</a:t>
+            </a:r>
+            <a:endParaRPr lang="en-US" dirty="0"/>
+          </a:p>
+          <a:p>
+            <a:pPr marL="285750" indent="-285750">
+              <a:buFontTx/>
+              <a:buChar char="-"/>
+            </a:pPr>
+            <a:r>
+              <a:rPr lang="en-US" dirty="0"/>
+              <a:t>QT</a:t>
+            </a:r>
+          </a:p>
+          <a:p>
+            <a:pPr marL="285750" indent="-285750">
+              <a:buFontTx/>
+              <a:buChar char="-"/>
+            </a:pPr>
+            <a:r>
+              <a:rPr lang="en-US" dirty="0"/>
+              <a:t>C++</a:t>
+            </a:r>
+          </a:p>
+          <a:p>
+            <a:pPr marL="285750" indent="-285750">
+              <a:buFontTx/>
+              <a:buChar char="-"/>
+            </a:pPr>
+            <a:r>
+              <a:rPr lang="en-US" dirty="0"/>
+              <a:t>LIBELAS</a:t>
+            </a:r>
+          </a:p>
+          <a:p>
+            <a:pPr marL="285750" indent="-285750">
+              <a:buFontTx/>
+              <a:buChar char="-"/>
+            </a:pPr>
+            <a:r>
+              <a:rPr lang="en-US" dirty="0"/>
+              <a:t>(MATLAB)?</a:t>
+            </a:r>
+          </a:p>
+        </p:txBody>
+      </p:sp>
     </p:spTree>
     <p:extLst>
       <p:ext uri="{BB962C8B-B14F-4D97-AF65-F5344CB8AC3E}">
-        <p14:creationId xmlns:p14="http://schemas.microsoft.com/office/powerpoint/2010/main" val="352027358"/>
+        <p14:creationId xmlns:p14="http://schemas.microsoft.com/office/powerpoint/2010/main" val="3962899024"/>
       </p:ext>
     </p:extLst>
   </p:cSld>
@@ -4845,7 +8107,7 @@
             </a:pPr>
             <a:r>
               <a:rPr lang="en-US" sz="3600" b="1" dirty="0"/>
-              <a:t>Results: Performance issues</a:t>
+              <a:t>Development: LIBELAS</a:t>
             </a:r>
           </a:p>
         </p:txBody>
@@ -4896,10 +8158,227 @@
           </a:p>
         </p:txBody>
       </p:sp>
+      <p:sp>
+        <p:nvSpPr>
+          <p:cNvPr id="4" name="CuadroTexto 3">
+            <a:extLst>
+              <a:ext uri="{FF2B5EF4-FFF2-40B4-BE49-F238E27FC236}">
+                <a16:creationId xmlns:a16="http://schemas.microsoft.com/office/drawing/2014/main" id="{A5109624-4251-4969-BEAE-88DE035437DB}"/>
+              </a:ext>
+            </a:extLst>
+          </p:cNvPr>
+          <p:cNvSpPr txBox="1"/>
+          <p:nvPr/>
+        </p:nvSpPr>
+        <p:spPr>
+          <a:xfrm>
+            <a:off x="1996580" y="2457974"/>
+            <a:ext cx="3523376" cy="2862322"/>
+          </a:xfrm>
+          <a:prstGeom prst="rect">
+            <a:avLst/>
+          </a:prstGeom>
+          <a:noFill/>
+        </p:spPr>
+        <p:txBody>
+          <a:bodyPr wrap="square" rtlCol="0">
+            <a:spAutoFit/>
+          </a:bodyPr>
+          <a:lstStyle/>
+          <a:p>
+            <a:r>
+              <a:rPr lang="en-US" dirty="0" err="1"/>
+              <a:t>Explicar</a:t>
+            </a:r>
+            <a:r>
+              <a:rPr lang="en-US" dirty="0"/>
+              <a:t> que </a:t>
+            </a:r>
+            <a:r>
+              <a:rPr lang="en-US" dirty="0" err="1"/>
+              <a:t>es</a:t>
+            </a:r>
+            <a:endParaRPr lang="en-US" dirty="0"/>
+          </a:p>
+          <a:p>
+            <a:r>
+              <a:rPr lang="en-US" dirty="0"/>
+              <a:t>Imagen de </a:t>
+            </a:r>
+            <a:r>
+              <a:rPr lang="en-US" dirty="0" err="1"/>
+              <a:t>ejemplo</a:t>
+            </a:r>
+            <a:r>
+              <a:rPr lang="en-US" dirty="0"/>
+              <a:t> de lo que </a:t>
+            </a:r>
+            <a:r>
+              <a:rPr lang="en-US" dirty="0" err="1"/>
+              <a:t>hace</a:t>
+            </a:r>
+            <a:endParaRPr lang="en-US" dirty="0"/>
+          </a:p>
+          <a:p>
+            <a:r>
+              <a:rPr lang="en-US" dirty="0" err="1"/>
+              <a:t>Explicar</a:t>
+            </a:r>
+            <a:r>
+              <a:rPr lang="en-US" dirty="0"/>
+              <a:t> que </a:t>
+            </a:r>
+            <a:r>
+              <a:rPr lang="en-US" dirty="0" err="1"/>
+              <a:t>necesita</a:t>
+            </a:r>
+            <a:r>
+              <a:rPr lang="en-US" dirty="0"/>
+              <a:t> </a:t>
+            </a:r>
+            <a:r>
+              <a:rPr lang="en-US" dirty="0" err="1"/>
+              <a:t>imagenes</a:t>
+            </a:r>
+            <a:r>
+              <a:rPr lang="en-US" dirty="0"/>
+              <a:t> </a:t>
+            </a:r>
+            <a:r>
+              <a:rPr lang="en-US" dirty="0" err="1"/>
+              <a:t>epipolares</a:t>
+            </a:r>
+            <a:r>
+              <a:rPr lang="en-US" dirty="0"/>
+              <a:t>, diapositive para </a:t>
+            </a:r>
+            <a:r>
+              <a:rPr lang="en-US" dirty="0" err="1"/>
+              <a:t>verlo</a:t>
+            </a:r>
+            <a:endParaRPr lang="en-US" dirty="0"/>
+          </a:p>
+          <a:p>
+            <a:r>
+              <a:rPr lang="en-US" dirty="0" err="1"/>
+              <a:t>Explicar</a:t>
+            </a:r>
+            <a:r>
+              <a:rPr lang="en-US" dirty="0"/>
+              <a:t> que </a:t>
+            </a:r>
+            <a:r>
+              <a:rPr lang="en-US" dirty="0" err="1"/>
+              <a:t>es</a:t>
+            </a:r>
+            <a:endParaRPr lang="en-US" dirty="0"/>
+          </a:p>
+          <a:p>
+            <a:r>
+              <a:rPr lang="en-US" dirty="0"/>
+              <a:t>Imagen de </a:t>
+            </a:r>
+            <a:r>
+              <a:rPr lang="en-US" dirty="0" err="1"/>
+              <a:t>ejemplo</a:t>
+            </a:r>
+            <a:r>
+              <a:rPr lang="en-US" dirty="0"/>
+              <a:t> de lo que </a:t>
+            </a:r>
+            <a:r>
+              <a:rPr lang="en-US" dirty="0" err="1"/>
+              <a:t>hace</a:t>
+            </a:r>
+            <a:endParaRPr lang="en-US" dirty="0"/>
+          </a:p>
+          <a:p>
+            <a:r>
+              <a:rPr lang="en-US" dirty="0" err="1"/>
+              <a:t>Explicar</a:t>
+            </a:r>
+            <a:r>
+              <a:rPr lang="en-US" dirty="0"/>
+              <a:t> </a:t>
+            </a:r>
+            <a:r>
+              <a:rPr lang="en-US" dirty="0" err="1"/>
+              <a:t>problemas</a:t>
+            </a:r>
+            <a:r>
+              <a:rPr lang="en-US" dirty="0"/>
+              <a:t> de </a:t>
+            </a:r>
+            <a:r>
+              <a:rPr lang="en-US" dirty="0" err="1"/>
+              <a:t>rendimiento</a:t>
+            </a:r>
+            <a:r>
+              <a:rPr lang="en-US" dirty="0"/>
+              <a:t> </a:t>
+            </a:r>
+          </a:p>
+          <a:p>
+            <a:pPr marL="285750" indent="-285750">
+              <a:buFontTx/>
+              <a:buChar char="-"/>
+            </a:pPr>
+            <a:r>
+              <a:rPr lang="en-US" dirty="0" err="1"/>
+              <a:t>Solucion</a:t>
+            </a:r>
+            <a:r>
+              <a:rPr lang="en-US" dirty="0"/>
+              <a:t> </a:t>
+            </a:r>
+            <a:r>
+              <a:rPr lang="en-US" dirty="0" err="1"/>
+              <a:t>hacer</a:t>
+            </a:r>
+            <a:r>
+              <a:rPr lang="en-US" dirty="0"/>
+              <a:t> </a:t>
+            </a:r>
+            <a:r>
+              <a:rPr lang="en-US" dirty="0" err="1"/>
+              <a:t>roi</a:t>
+            </a:r>
+            <a:endParaRPr lang="en-US" dirty="0"/>
+          </a:p>
+          <a:p>
+            <a:pPr marL="285750" indent="-285750">
+              <a:buFontTx/>
+              <a:buChar char="-"/>
+            </a:pPr>
+            <a:r>
+              <a:rPr lang="en-US" dirty="0" err="1"/>
+              <a:t>Solucion</a:t>
+            </a:r>
+            <a:r>
+              <a:rPr lang="en-US" dirty="0"/>
+              <a:t> </a:t>
+            </a:r>
+            <a:r>
+              <a:rPr lang="en-US" dirty="0" err="1"/>
+              <a:t>hacer</a:t>
+            </a:r>
+            <a:r>
+              <a:rPr lang="en-US" dirty="0"/>
+              <a:t> downsizing </a:t>
+            </a:r>
+          </a:p>
+          <a:p>
+            <a:r>
+              <a:rPr lang="en-US" dirty="0"/>
+              <a:t> </a:t>
+            </a:r>
+          </a:p>
+        </p:txBody>
+      </p:sp>
     </p:spTree>
     <p:extLst>
       <p:ext uri="{BB962C8B-B14F-4D97-AF65-F5344CB8AC3E}">
-        <p14:creationId xmlns:p14="http://schemas.microsoft.com/office/powerpoint/2010/main" val="1154150897"/>
+        <p14:creationId xmlns:p14="http://schemas.microsoft.com/office/powerpoint/2010/main" val="1470351456"/>
       </p:ext>
     </p:extLst>
   </p:cSld>
@@ -4965,7 +8444,7 @@
             </a:pPr>
             <a:r>
               <a:rPr lang="en-US" sz="3600" b="1" dirty="0"/>
-              <a:t>Results: Output stability</a:t>
+              <a:t>Development: LIBELAS </a:t>
             </a:r>
           </a:p>
         </p:txBody>
@@ -5016,10 +8495,53 @@
           </a:p>
         </p:txBody>
       </p:sp>
+      <p:sp>
+        <p:nvSpPr>
+          <p:cNvPr id="4" name="CuadroTexto 3">
+            <a:extLst>
+              <a:ext uri="{FF2B5EF4-FFF2-40B4-BE49-F238E27FC236}">
+                <a16:creationId xmlns:a16="http://schemas.microsoft.com/office/drawing/2014/main" id="{A5109624-4251-4969-BEAE-88DE035437DB}"/>
+              </a:ext>
+            </a:extLst>
+          </p:cNvPr>
+          <p:cNvSpPr txBox="1"/>
+          <p:nvPr/>
+        </p:nvSpPr>
+        <p:spPr>
+          <a:xfrm>
+            <a:off x="1593909" y="2667699"/>
+            <a:ext cx="3523376" cy="369332"/>
+          </a:xfrm>
+          <a:prstGeom prst="rect">
+            <a:avLst/>
+          </a:prstGeom>
+          <a:noFill/>
+        </p:spPr>
+        <p:txBody>
+          <a:bodyPr wrap="square" rtlCol="0">
+            <a:spAutoFit/>
+          </a:bodyPr>
+          <a:lstStyle/>
+          <a:p>
+            <a:r>
+              <a:rPr lang="en-US" dirty="0"/>
+              <a:t>diapositive para </a:t>
+            </a:r>
+            <a:r>
+              <a:rPr lang="en-US" dirty="0" err="1"/>
+              <a:t>verlo</a:t>
+            </a:r>
+            <a:r>
+              <a:rPr lang="en-US" dirty="0"/>
+              <a:t> </a:t>
+            </a:r>
+          </a:p>
+        </p:txBody>
+      </p:sp>
     </p:spTree>
     <p:extLst>
       <p:ext uri="{BB962C8B-B14F-4D97-AF65-F5344CB8AC3E}">
-        <p14:creationId xmlns:p14="http://schemas.microsoft.com/office/powerpoint/2010/main" val="2263191293"/>
+        <p14:creationId xmlns:p14="http://schemas.microsoft.com/office/powerpoint/2010/main" val="3610135329"/>
       </p:ext>
     </p:extLst>
   </p:cSld>
@@ -5264,4 +8786,299 @@
     </a:ext>
   </a:extLst>
 </a:theme>
+</file>
+
+<file path=ppt/theme/theme2.xml><?xml version="1.0" encoding="utf-8"?>
+<a:theme xmlns:a="http://schemas.openxmlformats.org/drawingml/2006/main" name="Tema de Office">
+  <a:themeElements>
+    <a:clrScheme name="Office">
+      <a:dk1>
+        <a:sysClr val="windowText" lastClr="000000"/>
+      </a:dk1>
+      <a:lt1>
+        <a:sysClr val="window" lastClr="FFFFFF"/>
+      </a:lt1>
+      <a:dk2>
+        <a:srgbClr val="44546A"/>
+      </a:dk2>
+      <a:lt2>
+        <a:srgbClr val="E7E6E6"/>
+      </a:lt2>
+      <a:accent1>
+        <a:srgbClr val="4472C4"/>
+      </a:accent1>
+      <a:accent2>
+        <a:srgbClr val="ED7D31"/>
+      </a:accent2>
+      <a:accent3>
+        <a:srgbClr val="A5A5A5"/>
+      </a:accent3>
+      <a:accent4>
+        <a:srgbClr val="FFC000"/>
+      </a:accent4>
+      <a:accent5>
+        <a:srgbClr val="5B9BD5"/>
+      </a:accent5>
+      <a:accent6>
+        <a:srgbClr val="70AD47"/>
+      </a:accent6>
+      <a:hlink>
+        <a:srgbClr val="0563C1"/>
+      </a:hlink>
+      <a:folHlink>
+        <a:srgbClr val="954F72"/>
+      </a:folHlink>
+    </a:clrScheme>
+    <a:fontScheme name="Office">
+      <a:majorFont>
+        <a:latin typeface="Calibri Light" panose="020F0302020204030204"/>
+        <a:ea typeface=""/>
+        <a:cs typeface=""/>
+        <a:font script="Jpan" typeface="游ゴシック Light"/>
+        <a:font script="Hang" typeface="맑은 고딕"/>
+        <a:font script="Hans" typeface="等线 Light"/>
+        <a:font script="Hant" typeface="新細明體"/>
+        <a:font script="Arab" typeface="Times New Roman"/>
+        <a:font script="Hebr" typeface="Times New Roman"/>
+        <a:font script="Thai" typeface="Angsana New"/>
+        <a:font script="Ethi" typeface="Nyala"/>
+        <a:font script="Beng" typeface="Vrinda"/>
+        <a:font script="Gujr" typeface="Shruti"/>
+        <a:font script="Khmr" typeface="MoolBoran"/>
+        <a:font script="Knda" typeface="Tunga"/>
+        <a:font script="Guru" typeface="Raavi"/>
+        <a:font script="Cans" typeface="Euphemia"/>
+        <a:font script="Cher" typeface="Plantagenet Cherokee"/>
+        <a:font script="Yiii" typeface="Microsoft Yi Baiti"/>
+        <a:font script="Tibt" typeface="Microsoft Himalaya"/>
+        <a:font script="Thaa" typeface="MV Boli"/>
+        <a:font script="Deva" typeface="Mangal"/>
+        <a:font script="Telu" typeface="Gautami"/>
+        <a:font script="Taml" typeface="Latha"/>
+        <a:font script="Syrc" typeface="Estrangelo Edessa"/>
+        <a:font script="Orya" typeface="Kalinga"/>
+        <a:font script="Mlym" typeface="Kartika"/>
+        <a:font script="Laoo" typeface="DokChampa"/>
+        <a:font script="Sinh" typeface="Iskoola Pota"/>
+        <a:font script="Mong" typeface="Mongolian Baiti"/>
+        <a:font script="Viet" typeface="Times New Roman"/>
+        <a:font script="Uigh" typeface="Microsoft Uighur"/>
+        <a:font script="Geor" typeface="Sylfaen"/>
+        <a:font script="Armn" typeface="Arial"/>
+        <a:font script="Bugi" typeface="Leelawadee UI"/>
+        <a:font script="Bopo" typeface="Microsoft JhengHei"/>
+        <a:font script="Java" typeface="Javanese Text"/>
+        <a:font script="Lisu" typeface="Segoe UI"/>
+        <a:font script="Mymr" typeface="Myanmar Text"/>
+        <a:font script="Nkoo" typeface="Ebrima"/>
+        <a:font script="Olck" typeface="Nirmala UI"/>
+        <a:font script="Osma" typeface="Ebrima"/>
+        <a:font script="Phag" typeface="Phagspa"/>
+        <a:font script="Syrn" typeface="Estrangelo Edessa"/>
+        <a:font script="Syrj" typeface="Estrangelo Edessa"/>
+        <a:font script="Syre" typeface="Estrangelo Edessa"/>
+        <a:font script="Sora" typeface="Nirmala UI"/>
+        <a:font script="Tale" typeface="Microsoft Tai Le"/>
+        <a:font script="Talu" typeface="Microsoft New Tai Lue"/>
+        <a:font script="Tfng" typeface="Ebrima"/>
+      </a:majorFont>
+      <a:minorFont>
+        <a:latin typeface="Calibri" panose="020F0502020204030204"/>
+        <a:ea typeface=""/>
+        <a:cs typeface=""/>
+        <a:font script="Jpan" typeface="游ゴシック"/>
+        <a:font script="Hang" typeface="맑은 고딕"/>
+        <a:font script="Hans" typeface="等线"/>
+        <a:font script="Hant" typeface="新細明體"/>
+        <a:font script="Arab" typeface="Arial"/>
+        <a:font script="Hebr" typeface="Arial"/>
+        <a:font script="Thai" typeface="Cordia New"/>
+        <a:font script="Ethi" typeface="Nyala"/>
+        <a:font script="Beng" typeface="Vrinda"/>
+        <a:font script="Gujr" typeface="Shruti"/>
+        <a:font script="Khmr" typeface="DaunPenh"/>
+        <a:font script="Knda" typeface="Tunga"/>
+        <a:font script="Guru" typeface="Raavi"/>
+        <a:font script="Cans" typeface="Euphemia"/>
+        <a:font script="Cher" typeface="Plantagenet Cherokee"/>
+        <a:font script="Yiii" typeface="Microsoft Yi Baiti"/>
+        <a:font script="Tibt" typeface="Microsoft Himalaya"/>
+        <a:font script="Thaa" typeface="MV Boli"/>
+        <a:font script="Deva" typeface="Mangal"/>
+        <a:font script="Telu" typeface="Gautami"/>
+        <a:font script="Taml" typeface="Latha"/>
+        <a:font script="Syrc" typeface="Estrangelo Edessa"/>
+        <a:font script="Orya" typeface="Kalinga"/>
+        <a:font script="Mlym" typeface="Kartika"/>
+        <a:font script="Laoo" typeface="DokChampa"/>
+        <a:font script="Sinh" typeface="Iskoola Pota"/>
+        <a:font script="Mong" typeface="Mongolian Baiti"/>
+        <a:font script="Viet" typeface="Arial"/>
+        <a:font script="Uigh" typeface="Microsoft Uighur"/>
+        <a:font script="Geor" typeface="Sylfaen"/>
+        <a:font script="Armn" typeface="Arial"/>
+        <a:font script="Bugi" typeface="Leelawadee UI"/>
+        <a:font script="Bopo" typeface="Microsoft JhengHei"/>
+        <a:font script="Java" typeface="Javanese Text"/>
+        <a:font script="Lisu" typeface="Segoe UI"/>
+        <a:font script="Mymr" typeface="Myanmar Text"/>
+        <a:font script="Nkoo" typeface="Ebrima"/>
+        <a:font script="Olck" typeface="Nirmala UI"/>
+        <a:font script="Osma" typeface="Ebrima"/>
+        <a:font script="Phag" typeface="Phagspa"/>
+        <a:font script="Syrn" typeface="Estrangelo Edessa"/>
+        <a:font script="Syrj" typeface="Estrangelo Edessa"/>
+        <a:font script="Syre" typeface="Estrangelo Edessa"/>
+        <a:font script="Sora" typeface="Nirmala UI"/>
+        <a:font script="Tale" typeface="Microsoft Tai Le"/>
+        <a:font script="Talu" typeface="Microsoft New Tai Lue"/>
+        <a:font script="Tfng" typeface="Ebrima"/>
+      </a:minorFont>
+    </a:fontScheme>
+    <a:fmtScheme name="Office">
+      <a:fillStyleLst>
+        <a:solidFill>
+          <a:schemeClr val="phClr"/>
+        </a:solidFill>
+        <a:gradFill rotWithShape="1">
+          <a:gsLst>
+            <a:gs pos="0">
+              <a:schemeClr val="phClr">
+                <a:lumMod val="110000"/>
+                <a:satMod val="105000"/>
+                <a:tint val="67000"/>
+              </a:schemeClr>
+            </a:gs>
+            <a:gs pos="50000">
+              <a:schemeClr val="phClr">
+                <a:lumMod val="105000"/>
+                <a:satMod val="103000"/>
+                <a:tint val="73000"/>
+              </a:schemeClr>
+            </a:gs>
+            <a:gs pos="100000">
+              <a:schemeClr val="phClr">
+                <a:lumMod val="105000"/>
+                <a:satMod val="109000"/>
+                <a:tint val="81000"/>
+              </a:schemeClr>
+            </a:gs>
+          </a:gsLst>
+          <a:lin ang="5400000" scaled="0"/>
+        </a:gradFill>
+        <a:gradFill rotWithShape="1">
+          <a:gsLst>
+            <a:gs pos="0">
+              <a:schemeClr val="phClr">
+                <a:satMod val="103000"/>
+                <a:lumMod val="102000"/>
+                <a:tint val="94000"/>
+              </a:schemeClr>
+            </a:gs>
+            <a:gs pos="50000">
+              <a:schemeClr val="phClr">
+                <a:satMod val="110000"/>
+                <a:lumMod val="100000"/>
+                <a:shade val="100000"/>
+              </a:schemeClr>
+            </a:gs>
+            <a:gs pos="100000">
+              <a:schemeClr val="phClr">
+                <a:lumMod val="99000"/>
+                <a:satMod val="120000"/>
+                <a:shade val="78000"/>
+              </a:schemeClr>
+            </a:gs>
+          </a:gsLst>
+          <a:lin ang="5400000" scaled="0"/>
+        </a:gradFill>
+      </a:fillStyleLst>
+      <a:lnStyleLst>
+        <a:ln w="6350" cap="flat" cmpd="sng" algn="ctr">
+          <a:solidFill>
+            <a:schemeClr val="phClr"/>
+          </a:solidFill>
+          <a:prstDash val="solid"/>
+          <a:miter lim="800000"/>
+        </a:ln>
+        <a:ln w="12700" cap="flat" cmpd="sng" algn="ctr">
+          <a:solidFill>
+            <a:schemeClr val="phClr"/>
+          </a:solidFill>
+          <a:prstDash val="solid"/>
+          <a:miter lim="800000"/>
+        </a:ln>
+        <a:ln w="19050" cap="flat" cmpd="sng" algn="ctr">
+          <a:solidFill>
+            <a:schemeClr val="phClr"/>
+          </a:solidFill>
+          <a:prstDash val="solid"/>
+          <a:miter lim="800000"/>
+        </a:ln>
+      </a:lnStyleLst>
+      <a:effectStyleLst>
+        <a:effectStyle>
+          <a:effectLst/>
+        </a:effectStyle>
+        <a:effectStyle>
+          <a:effectLst/>
+        </a:effectStyle>
+        <a:effectStyle>
+          <a:effectLst>
+            <a:outerShdw blurRad="57150" dist="19050" dir="5400000" algn="ctr" rotWithShape="0">
+              <a:srgbClr val="000000">
+                <a:alpha val="63000"/>
+              </a:srgbClr>
+            </a:outerShdw>
+          </a:effectLst>
+        </a:effectStyle>
+      </a:effectStyleLst>
+      <a:bgFillStyleLst>
+        <a:solidFill>
+          <a:schemeClr val="phClr"/>
+        </a:solidFill>
+        <a:solidFill>
+          <a:schemeClr val="phClr">
+            <a:tint val="95000"/>
+            <a:satMod val="170000"/>
+          </a:schemeClr>
+        </a:solidFill>
+        <a:gradFill rotWithShape="1">
+          <a:gsLst>
+            <a:gs pos="0">
+              <a:schemeClr val="phClr">
+                <a:tint val="93000"/>
+                <a:satMod val="150000"/>
+                <a:shade val="98000"/>
+                <a:lumMod val="102000"/>
+              </a:schemeClr>
+            </a:gs>
+            <a:gs pos="50000">
+              <a:schemeClr val="phClr">
+                <a:tint val="98000"/>
+                <a:satMod val="130000"/>
+                <a:shade val="90000"/>
+                <a:lumMod val="103000"/>
+              </a:schemeClr>
+            </a:gs>
+            <a:gs pos="100000">
+              <a:schemeClr val="phClr">
+                <a:shade val="63000"/>
+                <a:satMod val="120000"/>
+              </a:schemeClr>
+            </a:gs>
+          </a:gsLst>
+          <a:lin ang="5400000" scaled="0"/>
+        </a:gradFill>
+      </a:bgFillStyleLst>
+    </a:fmtScheme>
+  </a:themeElements>
+  <a:objectDefaults/>
+  <a:extraClrSchemeLst/>
+  <a:extLst>
+    <a:ext uri="{05A4C25C-085E-4340-85A3-A5531E510DB2}">
+      <thm15:themeFamily xmlns:thm15="http://schemas.microsoft.com/office/thememl/2012/main" name="Office Theme" id="{62F939B6-93AF-4DB8-9C6B-D6C7DFDC589F}" vid="{4A3C46E8-61CC-4603-A589-7422A47A8E4A}"/>
+    </a:ext>
+  </a:extLst>
+</a:theme>
 </file>